--- a/make_presentation/templates/templates/classic/_45.pptx
+++ b/make_presentation/templates/templates/classic/_45.pptx
@@ -336,7 +336,7 @@
             <a:pPr algn="r">
               <a:buNone/>
             </a:pPr>
-            <a:fld id="{545B1836-CE23-4935-98FA-D2D98561DA6E}" type="slidenum">
+            <a:fld id="{747ED2B5-86EF-4DF1-A352-1FA2173AC14E}" type="slidenum">
               <a:rPr b="0" lang="en-US" sz="1400" spc="-1" strike="noStrike">
                 <a:latin typeface="Times New Roman"/>
               </a:rPr>
@@ -384,7 +384,7 @@
         <p:spPr>
           <a:xfrm>
             <a:off x="380880" y="685800"/>
-            <a:ext cx="6090840" cy="3423960"/>
+            <a:ext cx="6090480" cy="3423600"/>
           </a:xfrm>
           <a:prstGeom prst="rect">
             <a:avLst/>
@@ -407,7 +407,7 @@
         <p:spPr>
           <a:xfrm>
             <a:off x="685800" y="4343400"/>
-            <a:ext cx="5481360" cy="4109760"/>
+            <a:ext cx="5481000" cy="4109400"/>
           </a:xfrm>
           <a:prstGeom prst="rect">
             <a:avLst/>
@@ -441,7 +441,7 @@
         <p:spPr>
           <a:xfrm>
             <a:off x="3884760" y="8685360"/>
-            <a:ext cx="2966760" cy="452160"/>
+            <a:ext cx="2966400" cy="451800"/>
           </a:xfrm>
           <a:prstGeom prst="rect">
             <a:avLst/>
@@ -477,7 +477,7 @@
               </a:lnSpc>
               <a:buNone/>
             </a:pPr>
-            <a:fld id="{6728141F-FD52-49CD-B819-5EA789273A6F}" type="slidenum">
+            <a:fld id="{7F507245-EF58-4D7F-BA5D-BF36CBA735E2}" type="slidenum">
               <a:rPr b="0" lang="en-US" sz="1200" spc="-1" strike="noStrike">
                 <a:solidFill>
                   <a:srgbClr val="000000"/>
@@ -528,7 +528,7 @@
         <p:spPr>
           <a:xfrm>
             <a:off x="380880" y="685800"/>
-            <a:ext cx="6090840" cy="3423960"/>
+            <a:ext cx="6090480" cy="3423600"/>
           </a:xfrm>
           <a:prstGeom prst="rect">
             <a:avLst/>
@@ -551,7 +551,7 @@
         <p:spPr>
           <a:xfrm>
             <a:off x="685800" y="4343400"/>
-            <a:ext cx="5481360" cy="4109760"/>
+            <a:ext cx="5481000" cy="4109400"/>
           </a:xfrm>
           <a:prstGeom prst="rect">
             <a:avLst/>
@@ -585,7 +585,7 @@
         <p:spPr>
           <a:xfrm>
             <a:off x="3884760" y="8685360"/>
-            <a:ext cx="2966760" cy="452160"/>
+            <a:ext cx="2966400" cy="451800"/>
           </a:xfrm>
           <a:prstGeom prst="rect">
             <a:avLst/>
@@ -621,7 +621,7 @@
               </a:lnSpc>
               <a:buNone/>
             </a:pPr>
-            <a:fld id="{F5E81795-C3C7-4E8E-AF83-10590C83D514}" type="slidenum">
+            <a:fld id="{3B4981EF-34A8-493F-B61F-15E6772A2DE4}" type="slidenum">
               <a:rPr b="0" lang="en-US" sz="1200" spc="-1" strike="noStrike">
                 <a:solidFill>
                   <a:srgbClr val="000000"/>
@@ -672,7 +672,7 @@
         <p:spPr>
           <a:xfrm>
             <a:off x="380880" y="685800"/>
-            <a:ext cx="6090840" cy="3423960"/>
+            <a:ext cx="6090480" cy="3423600"/>
           </a:xfrm>
           <a:prstGeom prst="rect">
             <a:avLst/>
@@ -695,7 +695,7 @@
         <p:spPr>
           <a:xfrm>
             <a:off x="685800" y="4343400"/>
-            <a:ext cx="5481360" cy="4109760"/>
+            <a:ext cx="5481000" cy="4109400"/>
           </a:xfrm>
           <a:prstGeom prst="rect">
             <a:avLst/>
@@ -729,7 +729,7 @@
         <p:spPr>
           <a:xfrm>
             <a:off x="3884760" y="8685360"/>
-            <a:ext cx="2966760" cy="452160"/>
+            <a:ext cx="2966400" cy="451800"/>
           </a:xfrm>
           <a:prstGeom prst="rect">
             <a:avLst/>
@@ -765,7 +765,7 @@
               </a:lnSpc>
               <a:buNone/>
             </a:pPr>
-            <a:fld id="{97948C07-EE36-4269-9448-9C89EB2A2066}" type="slidenum">
+            <a:fld id="{256E0640-60E8-4F75-86DB-2C058A196D4A}" type="slidenum">
               <a:rPr b="0" lang="en-US" sz="1200" spc="-1" strike="noStrike">
                 <a:solidFill>
                   <a:srgbClr val="000000"/>
@@ -816,7 +816,7 @@
         <p:spPr>
           <a:xfrm>
             <a:off x="380880" y="685800"/>
-            <a:ext cx="6090840" cy="3423960"/>
+            <a:ext cx="6090480" cy="3423600"/>
           </a:xfrm>
           <a:prstGeom prst="rect">
             <a:avLst/>
@@ -839,7 +839,7 @@
         <p:spPr>
           <a:xfrm>
             <a:off x="685800" y="4343400"/>
-            <a:ext cx="5481360" cy="4109760"/>
+            <a:ext cx="5481000" cy="4109400"/>
           </a:xfrm>
           <a:prstGeom prst="rect">
             <a:avLst/>
@@ -873,7 +873,7 @@
         <p:spPr>
           <a:xfrm>
             <a:off x="3884760" y="8685360"/>
-            <a:ext cx="2966760" cy="452160"/>
+            <a:ext cx="2966400" cy="451800"/>
           </a:xfrm>
           <a:prstGeom prst="rect">
             <a:avLst/>
@@ -909,7 +909,7 @@
               </a:lnSpc>
               <a:buNone/>
             </a:pPr>
-            <a:fld id="{DDC92390-959F-4A8F-8786-53385183028C}" type="slidenum">
+            <a:fld id="{F63E548C-7230-4A9D-844E-E92F22A09BA9}" type="slidenum">
               <a:rPr b="0" lang="en-US" sz="1200" spc="-1" strike="noStrike">
                 <a:solidFill>
                   <a:srgbClr val="000000"/>
@@ -960,7 +960,7 @@
         <p:spPr>
           <a:xfrm>
             <a:off x="380880" y="685800"/>
-            <a:ext cx="6090840" cy="3423960"/>
+            <a:ext cx="6090480" cy="3423600"/>
           </a:xfrm>
           <a:prstGeom prst="rect">
             <a:avLst/>
@@ -983,7 +983,7 @@
         <p:spPr>
           <a:xfrm>
             <a:off x="685800" y="4343400"/>
-            <a:ext cx="5481360" cy="4109760"/>
+            <a:ext cx="5481000" cy="4109400"/>
           </a:xfrm>
           <a:prstGeom prst="rect">
             <a:avLst/>
@@ -1017,7 +1017,7 @@
         <p:spPr>
           <a:xfrm>
             <a:off x="3884760" y="8685360"/>
-            <a:ext cx="2966760" cy="452160"/>
+            <a:ext cx="2966400" cy="451800"/>
           </a:xfrm>
           <a:prstGeom prst="rect">
             <a:avLst/>
@@ -1053,7 +1053,7 @@
               </a:lnSpc>
               <a:buNone/>
             </a:pPr>
-            <a:fld id="{A4FE98F9-3045-4817-8D09-4810312EA313}" type="slidenum">
+            <a:fld id="{B43C0EA3-F7EE-4ED3-A1DE-42B661FEFC84}" type="slidenum">
               <a:rPr b="0" lang="en-US" sz="1200" spc="-1" strike="noStrike">
                 <a:solidFill>
                   <a:srgbClr val="000000"/>
@@ -1104,7 +1104,7 @@
         <p:spPr>
           <a:xfrm>
             <a:off x="380880" y="685800"/>
-            <a:ext cx="6090840" cy="3423960"/>
+            <a:ext cx="6090480" cy="3423600"/>
           </a:xfrm>
           <a:prstGeom prst="rect">
             <a:avLst/>
@@ -1127,7 +1127,7 @@
         <p:spPr>
           <a:xfrm>
             <a:off x="685800" y="4343400"/>
-            <a:ext cx="5481360" cy="4109760"/>
+            <a:ext cx="5481000" cy="4109400"/>
           </a:xfrm>
           <a:prstGeom prst="rect">
             <a:avLst/>
@@ -1161,7 +1161,7 @@
         <p:spPr>
           <a:xfrm>
             <a:off x="3884760" y="8685360"/>
-            <a:ext cx="2966760" cy="452160"/>
+            <a:ext cx="2966400" cy="451800"/>
           </a:xfrm>
           <a:prstGeom prst="rect">
             <a:avLst/>
@@ -1197,7 +1197,7 @@
               </a:lnSpc>
               <a:buNone/>
             </a:pPr>
-            <a:fld id="{9A497089-6816-4FA6-B235-9E36E0CF10E0}" type="slidenum">
+            <a:fld id="{ACA860E3-E99B-4997-B0B2-359430B72586}" type="slidenum">
               <a:rPr b="0" lang="en-US" sz="1200" spc="-1" strike="noStrike">
                 <a:solidFill>
                   <a:srgbClr val="000000"/>
@@ -1248,7 +1248,7 @@
         <p:spPr>
           <a:xfrm>
             <a:off x="380880" y="685800"/>
-            <a:ext cx="6090840" cy="3423960"/>
+            <a:ext cx="6090480" cy="3423600"/>
           </a:xfrm>
           <a:prstGeom prst="rect">
             <a:avLst/>
@@ -1271,7 +1271,7 @@
         <p:spPr>
           <a:xfrm>
             <a:off x="685800" y="4343400"/>
-            <a:ext cx="5481360" cy="4109760"/>
+            <a:ext cx="5481000" cy="4109400"/>
           </a:xfrm>
           <a:prstGeom prst="rect">
             <a:avLst/>
@@ -1305,7 +1305,7 @@
         <p:spPr>
           <a:xfrm>
             <a:off x="3884760" y="8685360"/>
-            <a:ext cx="2966760" cy="452160"/>
+            <a:ext cx="2966400" cy="451800"/>
           </a:xfrm>
           <a:prstGeom prst="rect">
             <a:avLst/>
@@ -1341,7 +1341,7 @@
               </a:lnSpc>
               <a:buNone/>
             </a:pPr>
-            <a:fld id="{5822B3AD-5E50-4636-8CC1-18974BE6860A}" type="slidenum">
+            <a:fld id="{4ADAD5EC-BDE2-440D-A62D-DC67999EF11A}" type="slidenum">
               <a:rPr b="0" lang="en-US" sz="1200" spc="-1" strike="noStrike">
                 <a:solidFill>
                   <a:srgbClr val="000000"/>
@@ -1392,7 +1392,7 @@
         <p:spPr>
           <a:xfrm>
             <a:off x="380880" y="685800"/>
-            <a:ext cx="6090840" cy="3423960"/>
+            <a:ext cx="6090480" cy="3423600"/>
           </a:xfrm>
           <a:prstGeom prst="rect">
             <a:avLst/>
@@ -1415,7 +1415,7 @@
         <p:spPr>
           <a:xfrm>
             <a:off x="685800" y="4343400"/>
-            <a:ext cx="5481360" cy="4109760"/>
+            <a:ext cx="5481000" cy="4109400"/>
           </a:xfrm>
           <a:prstGeom prst="rect">
             <a:avLst/>
@@ -1449,7 +1449,7 @@
         <p:spPr>
           <a:xfrm>
             <a:off x="3884760" y="8685360"/>
-            <a:ext cx="2966760" cy="452160"/>
+            <a:ext cx="2966400" cy="451800"/>
           </a:xfrm>
           <a:prstGeom prst="rect">
             <a:avLst/>
@@ -1485,7 +1485,7 @@
               </a:lnSpc>
               <a:buNone/>
             </a:pPr>
-            <a:fld id="{FB7A6F40-03D6-4A5F-B6EC-3962D4E9FDEE}" type="slidenum">
+            <a:fld id="{34460C5F-9A00-4351-9532-8363A4D2B6CE}" type="slidenum">
               <a:rPr b="0" lang="en-US" sz="1200" spc="-1" strike="noStrike">
                 <a:solidFill>
                   <a:srgbClr val="000000"/>
@@ -1536,7 +1536,7 @@
         <p:spPr>
           <a:xfrm>
             <a:off x="380880" y="685800"/>
-            <a:ext cx="6090840" cy="3423960"/>
+            <a:ext cx="6090480" cy="3423600"/>
           </a:xfrm>
           <a:prstGeom prst="rect">
             <a:avLst/>
@@ -1559,7 +1559,7 @@
         <p:spPr>
           <a:xfrm>
             <a:off x="685800" y="4343400"/>
-            <a:ext cx="5481360" cy="4109760"/>
+            <a:ext cx="5481000" cy="4109400"/>
           </a:xfrm>
           <a:prstGeom prst="rect">
             <a:avLst/>
@@ -1593,7 +1593,7 @@
         <p:spPr>
           <a:xfrm>
             <a:off x="3884760" y="8685360"/>
-            <a:ext cx="2966760" cy="452160"/>
+            <a:ext cx="2966400" cy="451800"/>
           </a:xfrm>
           <a:prstGeom prst="rect">
             <a:avLst/>
@@ -1629,7 +1629,7 @@
               </a:lnSpc>
               <a:buNone/>
             </a:pPr>
-            <a:fld id="{A66BACC3-46FE-475B-977A-FE162B4C4198}" type="slidenum">
+            <a:fld id="{C7BFD0B9-D84E-4DF9-8D1A-E07C04E29C29}" type="slidenum">
               <a:rPr b="0" lang="en-US" sz="1200" spc="-1" strike="noStrike">
                 <a:solidFill>
                   <a:srgbClr val="000000"/>
@@ -1680,7 +1680,7 @@
         <p:spPr>
           <a:xfrm>
             <a:off x="380880" y="685800"/>
-            <a:ext cx="6090840" cy="3423960"/>
+            <a:ext cx="6090480" cy="3423600"/>
           </a:xfrm>
           <a:prstGeom prst="rect">
             <a:avLst/>
@@ -1703,7 +1703,7 @@
         <p:spPr>
           <a:xfrm>
             <a:off x="685800" y="4343400"/>
-            <a:ext cx="5481360" cy="4109760"/>
+            <a:ext cx="5481000" cy="4109400"/>
           </a:xfrm>
           <a:prstGeom prst="rect">
             <a:avLst/>
@@ -1737,7 +1737,7 @@
         <p:spPr>
           <a:xfrm>
             <a:off x="3884760" y="8685360"/>
-            <a:ext cx="2966760" cy="452160"/>
+            <a:ext cx="2966400" cy="451800"/>
           </a:xfrm>
           <a:prstGeom prst="rect">
             <a:avLst/>
@@ -1773,7 +1773,7 @@
               </a:lnSpc>
               <a:buNone/>
             </a:pPr>
-            <a:fld id="{A374B53F-1E66-49A8-B16A-52AF93B861BC}" type="slidenum">
+            <a:fld id="{FA25464C-A0BB-47C1-9027-F2389715F5DE}" type="slidenum">
               <a:rPr b="0" lang="en-US" sz="1200" spc="-1" strike="noStrike">
                 <a:solidFill>
                   <a:srgbClr val="000000"/>
@@ -1824,7 +1824,7 @@
         <p:spPr>
           <a:xfrm>
             <a:off x="380880" y="685800"/>
-            <a:ext cx="6090840" cy="3423960"/>
+            <a:ext cx="6090480" cy="3423600"/>
           </a:xfrm>
           <a:prstGeom prst="rect">
             <a:avLst/>
@@ -1847,7 +1847,7 @@
         <p:spPr>
           <a:xfrm>
             <a:off x="685800" y="4343400"/>
-            <a:ext cx="5481360" cy="4109760"/>
+            <a:ext cx="5481000" cy="4109400"/>
           </a:xfrm>
           <a:prstGeom prst="rect">
             <a:avLst/>
@@ -1881,7 +1881,7 @@
         <p:spPr>
           <a:xfrm>
             <a:off x="3884760" y="8685360"/>
-            <a:ext cx="2966760" cy="452160"/>
+            <a:ext cx="2966400" cy="451800"/>
           </a:xfrm>
           <a:prstGeom prst="rect">
             <a:avLst/>
@@ -1917,7 +1917,7 @@
               </a:lnSpc>
               <a:buNone/>
             </a:pPr>
-            <a:fld id="{AF8B4347-3F03-471E-A149-4E3F92F7715B}" type="slidenum">
+            <a:fld id="{9A5E80EB-31D4-4BC2-AF5D-85B09DB84F56}" type="slidenum">
               <a:rPr b="0" lang="en-US" sz="1200" spc="-1" strike="noStrike">
                 <a:solidFill>
                   <a:srgbClr val="000000"/>
@@ -1968,7 +1968,7 @@
         <p:spPr>
           <a:xfrm>
             <a:off x="380880" y="685800"/>
-            <a:ext cx="6090840" cy="3423960"/>
+            <a:ext cx="6090480" cy="3423600"/>
           </a:xfrm>
           <a:prstGeom prst="rect">
             <a:avLst/>
@@ -1991,7 +1991,7 @@
         <p:spPr>
           <a:xfrm>
             <a:off x="685800" y="4343400"/>
-            <a:ext cx="5481360" cy="4109760"/>
+            <a:ext cx="5481000" cy="4109400"/>
           </a:xfrm>
           <a:prstGeom prst="rect">
             <a:avLst/>
@@ -2025,7 +2025,7 @@
         <p:spPr>
           <a:xfrm>
             <a:off x="3884760" y="8685360"/>
-            <a:ext cx="2966760" cy="452160"/>
+            <a:ext cx="2966400" cy="451800"/>
           </a:xfrm>
           <a:prstGeom prst="rect">
             <a:avLst/>
@@ -2061,7 +2061,7 @@
               </a:lnSpc>
               <a:buNone/>
             </a:pPr>
-            <a:fld id="{7A94874F-468C-424A-A0B1-82915BA73AAC}" type="slidenum">
+            <a:fld id="{2501F1BB-53D2-4E0F-94C5-648965490774}" type="slidenum">
               <a:rPr b="0" lang="en-US" sz="1200" spc="-1" strike="noStrike">
                 <a:solidFill>
                   <a:srgbClr val="000000"/>
@@ -2112,7 +2112,7 @@
         <p:spPr>
           <a:xfrm>
             <a:off x="380880" y="685800"/>
-            <a:ext cx="6090840" cy="3423960"/>
+            <a:ext cx="6090480" cy="3423600"/>
           </a:xfrm>
           <a:prstGeom prst="rect">
             <a:avLst/>
@@ -2135,7 +2135,7 @@
         <p:spPr>
           <a:xfrm>
             <a:off x="685800" y="4343400"/>
-            <a:ext cx="5481360" cy="4109760"/>
+            <a:ext cx="5481000" cy="4109400"/>
           </a:xfrm>
           <a:prstGeom prst="rect">
             <a:avLst/>
@@ -2169,7 +2169,7 @@
         <p:spPr>
           <a:xfrm>
             <a:off x="3884760" y="8685360"/>
-            <a:ext cx="2966760" cy="452160"/>
+            <a:ext cx="2966400" cy="451800"/>
           </a:xfrm>
           <a:prstGeom prst="rect">
             <a:avLst/>
@@ -2205,7 +2205,7 @@
               </a:lnSpc>
               <a:buNone/>
             </a:pPr>
-            <a:fld id="{0084E988-C0E0-4F86-9A43-9EFFE7BB78EC}" type="slidenum">
+            <a:fld id="{75C77CAD-F07E-4414-AC68-D9CA73DDA623}" type="slidenum">
               <a:rPr b="0" lang="en-US" sz="1200" spc="-1" strike="noStrike">
                 <a:solidFill>
                   <a:srgbClr val="000000"/>
@@ -2256,7 +2256,7 @@
         <p:spPr>
           <a:xfrm>
             <a:off x="380880" y="685800"/>
-            <a:ext cx="6090840" cy="3423960"/>
+            <a:ext cx="6090480" cy="3423600"/>
           </a:xfrm>
           <a:prstGeom prst="rect">
             <a:avLst/>
@@ -2279,7 +2279,7 @@
         <p:spPr>
           <a:xfrm>
             <a:off x="685800" y="4343400"/>
-            <a:ext cx="5481360" cy="4109760"/>
+            <a:ext cx="5481000" cy="4109400"/>
           </a:xfrm>
           <a:prstGeom prst="rect">
             <a:avLst/>
@@ -2313,7 +2313,7 @@
         <p:spPr>
           <a:xfrm>
             <a:off x="3884760" y="8685360"/>
-            <a:ext cx="2966760" cy="452160"/>
+            <a:ext cx="2966400" cy="451800"/>
           </a:xfrm>
           <a:prstGeom prst="rect">
             <a:avLst/>
@@ -2349,7 +2349,7 @@
               </a:lnSpc>
               <a:buNone/>
             </a:pPr>
-            <a:fld id="{B334F274-673F-4571-8E2A-947B80608558}" type="slidenum">
+            <a:fld id="{E1FD2EC1-F13E-4D7E-A44C-5B38C4A48242}" type="slidenum">
               <a:rPr b="0" lang="en-US" sz="1200" spc="-1" strike="noStrike">
                 <a:solidFill>
                   <a:srgbClr val="000000"/>
@@ -2400,7 +2400,7 @@
         <p:spPr>
           <a:xfrm>
             <a:off x="380880" y="685800"/>
-            <a:ext cx="6090840" cy="3423960"/>
+            <a:ext cx="6090480" cy="3423600"/>
           </a:xfrm>
           <a:prstGeom prst="rect">
             <a:avLst/>
@@ -2423,7 +2423,7 @@
         <p:spPr>
           <a:xfrm>
             <a:off x="685800" y="4343400"/>
-            <a:ext cx="5481360" cy="4109760"/>
+            <a:ext cx="5481000" cy="4109400"/>
           </a:xfrm>
           <a:prstGeom prst="rect">
             <a:avLst/>
@@ -2457,7 +2457,7 @@
         <p:spPr>
           <a:xfrm>
             <a:off x="3884760" y="8685360"/>
-            <a:ext cx="2966760" cy="452160"/>
+            <a:ext cx="2966400" cy="451800"/>
           </a:xfrm>
           <a:prstGeom prst="rect">
             <a:avLst/>
@@ -2493,7 +2493,7 @@
               </a:lnSpc>
               <a:buNone/>
             </a:pPr>
-            <a:fld id="{8C919705-ED49-494D-8407-3FB46C6D20AF}" type="slidenum">
+            <a:fld id="{EC8A697E-5D08-4B5D-875F-78C3EF0FFFA8}" type="slidenum">
               <a:rPr b="0" lang="en-US" sz="1200" spc="-1" strike="noStrike">
                 <a:solidFill>
                   <a:srgbClr val="000000"/>
@@ -2544,7 +2544,7 @@
         <p:spPr>
           <a:xfrm>
             <a:off x="380880" y="685800"/>
-            <a:ext cx="6090840" cy="3423960"/>
+            <a:ext cx="6090480" cy="3423600"/>
           </a:xfrm>
           <a:prstGeom prst="rect">
             <a:avLst/>
@@ -2567,7 +2567,7 @@
         <p:spPr>
           <a:xfrm>
             <a:off x="685800" y="4343400"/>
-            <a:ext cx="5481360" cy="4109760"/>
+            <a:ext cx="5481000" cy="4109400"/>
           </a:xfrm>
           <a:prstGeom prst="rect">
             <a:avLst/>
@@ -2601,7 +2601,7 @@
         <p:spPr>
           <a:xfrm>
             <a:off x="3884760" y="8685360"/>
-            <a:ext cx="2966760" cy="452160"/>
+            <a:ext cx="2966400" cy="451800"/>
           </a:xfrm>
           <a:prstGeom prst="rect">
             <a:avLst/>
@@ -2637,7 +2637,7 @@
               </a:lnSpc>
               <a:buNone/>
             </a:pPr>
-            <a:fld id="{45AC2B7A-7540-478C-A804-81526C149CFD}" type="slidenum">
+            <a:fld id="{F82AAE69-998D-4E88-952A-425ECC1D6D09}" type="slidenum">
               <a:rPr b="0" lang="en-US" sz="1200" spc="-1" strike="noStrike">
                 <a:solidFill>
                   <a:srgbClr val="000000"/>
@@ -2688,7 +2688,7 @@
         <p:spPr>
           <a:xfrm>
             <a:off x="380880" y="685800"/>
-            <a:ext cx="6090840" cy="3423960"/>
+            <a:ext cx="6090480" cy="3423600"/>
           </a:xfrm>
           <a:prstGeom prst="rect">
             <a:avLst/>
@@ -2711,7 +2711,7 @@
         <p:spPr>
           <a:xfrm>
             <a:off x="685800" y="4343400"/>
-            <a:ext cx="5481360" cy="4109760"/>
+            <a:ext cx="5481000" cy="4109400"/>
           </a:xfrm>
           <a:prstGeom prst="rect">
             <a:avLst/>
@@ -2745,7 +2745,7 @@
         <p:spPr>
           <a:xfrm>
             <a:off x="3884760" y="8685360"/>
-            <a:ext cx="2966760" cy="452160"/>
+            <a:ext cx="2966400" cy="451800"/>
           </a:xfrm>
           <a:prstGeom prst="rect">
             <a:avLst/>
@@ -2781,7 +2781,7 @@
               </a:lnSpc>
               <a:buNone/>
             </a:pPr>
-            <a:fld id="{E5465B1B-441B-4B4E-AF4B-504E64D09044}" type="slidenum">
+            <a:fld id="{AC279FE8-C15A-4CDE-8BC2-3BDF102ECA16}" type="slidenum">
               <a:rPr b="0" lang="en-US" sz="1200" spc="-1" strike="noStrike">
                 <a:solidFill>
                   <a:srgbClr val="000000"/>
@@ -2832,7 +2832,7 @@
         <p:spPr>
           <a:xfrm>
             <a:off x="380880" y="685800"/>
-            <a:ext cx="6090840" cy="3423960"/>
+            <a:ext cx="6090480" cy="3423600"/>
           </a:xfrm>
           <a:prstGeom prst="rect">
             <a:avLst/>
@@ -2855,7 +2855,7 @@
         <p:spPr>
           <a:xfrm>
             <a:off x="685800" y="4343400"/>
-            <a:ext cx="5481360" cy="4109760"/>
+            <a:ext cx="5481000" cy="4109400"/>
           </a:xfrm>
           <a:prstGeom prst="rect">
             <a:avLst/>
@@ -2889,7 +2889,7 @@
         <p:spPr>
           <a:xfrm>
             <a:off x="3884760" y="8685360"/>
-            <a:ext cx="2966760" cy="452160"/>
+            <a:ext cx="2966400" cy="451800"/>
           </a:xfrm>
           <a:prstGeom prst="rect">
             <a:avLst/>
@@ -2925,7 +2925,7 @@
               </a:lnSpc>
               <a:buNone/>
             </a:pPr>
-            <a:fld id="{4D3A2483-3BA4-4E38-869C-6671F76827FA}" type="slidenum">
+            <a:fld id="{5F9B8749-D065-4F08-8E97-8993DD0EB156}" type="slidenum">
               <a:rPr b="0" lang="en-US" sz="1200" spc="-1" strike="noStrike">
                 <a:solidFill>
                   <a:srgbClr val="000000"/>
@@ -2976,7 +2976,7 @@
         <p:spPr>
           <a:xfrm>
             <a:off x="380880" y="685800"/>
-            <a:ext cx="6090840" cy="3423960"/>
+            <a:ext cx="6090480" cy="3423600"/>
           </a:xfrm>
           <a:prstGeom prst="rect">
             <a:avLst/>
@@ -2999,7 +2999,7 @@
         <p:spPr>
           <a:xfrm>
             <a:off x="685800" y="4343400"/>
-            <a:ext cx="5481360" cy="4109760"/>
+            <a:ext cx="5481000" cy="4109400"/>
           </a:xfrm>
           <a:prstGeom prst="rect">
             <a:avLst/>
@@ -3033,7 +3033,7 @@
         <p:spPr>
           <a:xfrm>
             <a:off x="3884760" y="8685360"/>
-            <a:ext cx="2966760" cy="452160"/>
+            <a:ext cx="2966400" cy="451800"/>
           </a:xfrm>
           <a:prstGeom prst="rect">
             <a:avLst/>
@@ -3069,7 +3069,7 @@
               </a:lnSpc>
               <a:buNone/>
             </a:pPr>
-            <a:fld id="{5EA99BB0-CB5E-4D84-ADF3-C7140B385468}" type="slidenum">
+            <a:fld id="{70C3B0CE-A21F-4667-9121-3A508B2BF054}" type="slidenum">
               <a:rPr b="0" lang="en-US" sz="1200" spc="-1" strike="noStrike">
                 <a:solidFill>
                   <a:srgbClr val="000000"/>
@@ -3120,7 +3120,7 @@
         <p:spPr>
           <a:xfrm>
             <a:off x="380880" y="685800"/>
-            <a:ext cx="6090840" cy="3423960"/>
+            <a:ext cx="6090480" cy="3423600"/>
           </a:xfrm>
           <a:prstGeom prst="rect">
             <a:avLst/>
@@ -3143,7 +3143,7 @@
         <p:spPr>
           <a:xfrm>
             <a:off x="685800" y="4343400"/>
-            <a:ext cx="5481360" cy="4109760"/>
+            <a:ext cx="5481000" cy="4109400"/>
           </a:xfrm>
           <a:prstGeom prst="rect">
             <a:avLst/>
@@ -3177,7 +3177,7 @@
         <p:spPr>
           <a:xfrm>
             <a:off x="3884760" y="8685360"/>
-            <a:ext cx="2966760" cy="452160"/>
+            <a:ext cx="2966400" cy="451800"/>
           </a:xfrm>
           <a:prstGeom prst="rect">
             <a:avLst/>
@@ -3213,7 +3213,7 @@
               </a:lnSpc>
               <a:buNone/>
             </a:pPr>
-            <a:fld id="{A593B8DB-4C13-4BF7-A9E6-990C2C927D3F}" type="slidenum">
+            <a:fld id="{33497B53-A2F6-4319-9BF8-F4744ADB83E3}" type="slidenum">
               <a:rPr b="0" lang="en-US" sz="1200" spc="-1" strike="noStrike">
                 <a:solidFill>
                   <a:srgbClr val="000000"/>
@@ -3264,7 +3264,7 @@
         <p:spPr>
           <a:xfrm>
             <a:off x="380880" y="685800"/>
-            <a:ext cx="6090840" cy="3423960"/>
+            <a:ext cx="6090480" cy="3423600"/>
           </a:xfrm>
           <a:prstGeom prst="rect">
             <a:avLst/>
@@ -3287,7 +3287,7 @@
         <p:spPr>
           <a:xfrm>
             <a:off x="685800" y="4343400"/>
-            <a:ext cx="5481360" cy="4109760"/>
+            <a:ext cx="5481000" cy="4109400"/>
           </a:xfrm>
           <a:prstGeom prst="rect">
             <a:avLst/>
@@ -3321,7 +3321,7 @@
         <p:spPr>
           <a:xfrm>
             <a:off x="3884760" y="8685360"/>
-            <a:ext cx="2966760" cy="452160"/>
+            <a:ext cx="2966400" cy="451800"/>
           </a:xfrm>
           <a:prstGeom prst="rect">
             <a:avLst/>
@@ -3357,7 +3357,7 @@
               </a:lnSpc>
               <a:buNone/>
             </a:pPr>
-            <a:fld id="{03F19D1F-4465-4FE3-ABE0-53B147C0D53A}" type="slidenum">
+            <a:fld id="{EDC5E035-8053-4AEB-AEEA-917F5C9D57CC}" type="slidenum">
               <a:rPr b="0" lang="en-US" sz="1200" spc="-1" strike="noStrike">
                 <a:solidFill>
                   <a:srgbClr val="000000"/>
@@ -3408,7 +3408,7 @@
         <p:spPr>
           <a:xfrm>
             <a:off x="380880" y="685800"/>
-            <a:ext cx="6090840" cy="3423960"/>
+            <a:ext cx="6090480" cy="3423600"/>
           </a:xfrm>
           <a:prstGeom prst="rect">
             <a:avLst/>
@@ -3431,7 +3431,7 @@
         <p:spPr>
           <a:xfrm>
             <a:off x="685800" y="4343400"/>
-            <a:ext cx="5481360" cy="4109760"/>
+            <a:ext cx="5481000" cy="4109400"/>
           </a:xfrm>
           <a:prstGeom prst="rect">
             <a:avLst/>
@@ -3465,7 +3465,7 @@
         <p:spPr>
           <a:xfrm>
             <a:off x="3884760" y="8685360"/>
-            <a:ext cx="2966760" cy="452160"/>
+            <a:ext cx="2966400" cy="451800"/>
           </a:xfrm>
           <a:prstGeom prst="rect">
             <a:avLst/>
@@ -3501,7 +3501,7 @@
               </a:lnSpc>
               <a:buNone/>
             </a:pPr>
-            <a:fld id="{83D00249-63B5-4631-A684-7A424A9F504B}" type="slidenum">
+            <a:fld id="{A563A10F-0721-48F1-B663-239AF71197C4}" type="slidenum">
               <a:rPr b="0" lang="en-US" sz="1200" spc="-1" strike="noStrike">
                 <a:solidFill>
                   <a:srgbClr val="000000"/>
@@ -3552,7 +3552,7 @@
         <p:spPr>
           <a:xfrm>
             <a:off x="380880" y="685800"/>
-            <a:ext cx="6090840" cy="3423960"/>
+            <a:ext cx="6090480" cy="3423600"/>
           </a:xfrm>
           <a:prstGeom prst="rect">
             <a:avLst/>
@@ -3575,7 +3575,7 @@
         <p:spPr>
           <a:xfrm>
             <a:off x="685800" y="4343400"/>
-            <a:ext cx="5481360" cy="4109760"/>
+            <a:ext cx="5481000" cy="4109400"/>
           </a:xfrm>
           <a:prstGeom prst="rect">
             <a:avLst/>
@@ -3609,7 +3609,7 @@
         <p:spPr>
           <a:xfrm>
             <a:off x="3884760" y="8685360"/>
-            <a:ext cx="2966760" cy="452160"/>
+            <a:ext cx="2966400" cy="451800"/>
           </a:xfrm>
           <a:prstGeom prst="rect">
             <a:avLst/>
@@ -3645,7 +3645,7 @@
               </a:lnSpc>
               <a:buNone/>
             </a:pPr>
-            <a:fld id="{55F70207-D051-4B32-823F-71995716C674}" type="slidenum">
+            <a:fld id="{F1302507-C689-4865-A0D6-BE0495EB3326}" type="slidenum">
               <a:rPr b="0" lang="en-US" sz="1200" spc="-1" strike="noStrike">
                 <a:solidFill>
                   <a:srgbClr val="000000"/>
@@ -3696,7 +3696,7 @@
         <p:spPr>
           <a:xfrm>
             <a:off x="380880" y="685800"/>
-            <a:ext cx="6090840" cy="3423960"/>
+            <a:ext cx="6090480" cy="3423600"/>
           </a:xfrm>
           <a:prstGeom prst="rect">
             <a:avLst/>
@@ -3719,7 +3719,7 @@
         <p:spPr>
           <a:xfrm>
             <a:off x="685800" y="4343400"/>
-            <a:ext cx="5481360" cy="4109760"/>
+            <a:ext cx="5481000" cy="4109400"/>
           </a:xfrm>
           <a:prstGeom prst="rect">
             <a:avLst/>
@@ -3753,7 +3753,7 @@
         <p:spPr>
           <a:xfrm>
             <a:off x="3884760" y="8685360"/>
-            <a:ext cx="2966760" cy="452160"/>
+            <a:ext cx="2966400" cy="451800"/>
           </a:xfrm>
           <a:prstGeom prst="rect">
             <a:avLst/>
@@ -3789,7 +3789,7 @@
               </a:lnSpc>
               <a:buNone/>
             </a:pPr>
-            <a:fld id="{685A55BB-8CE5-4E87-BCB4-6891FDE5BED2}" type="slidenum">
+            <a:fld id="{89E8F63B-2A22-461E-8AF5-2356145FC0F7}" type="slidenum">
               <a:rPr b="0" lang="en-US" sz="1200" spc="-1" strike="noStrike">
                 <a:solidFill>
                   <a:srgbClr val="000000"/>
@@ -3840,7 +3840,7 @@
         <p:spPr>
           <a:xfrm>
             <a:off x="380880" y="685800"/>
-            <a:ext cx="6090840" cy="3423960"/>
+            <a:ext cx="6090480" cy="3423600"/>
           </a:xfrm>
           <a:prstGeom prst="rect">
             <a:avLst/>
@@ -3863,7 +3863,7 @@
         <p:spPr>
           <a:xfrm>
             <a:off x="685800" y="4343400"/>
-            <a:ext cx="5481360" cy="4109760"/>
+            <a:ext cx="5481000" cy="4109400"/>
           </a:xfrm>
           <a:prstGeom prst="rect">
             <a:avLst/>
@@ -3897,7 +3897,7 @@
         <p:spPr>
           <a:xfrm>
             <a:off x="3884760" y="8685360"/>
-            <a:ext cx="2966760" cy="452160"/>
+            <a:ext cx="2966400" cy="451800"/>
           </a:xfrm>
           <a:prstGeom prst="rect">
             <a:avLst/>
@@ -3933,7 +3933,7 @@
               </a:lnSpc>
               <a:buNone/>
             </a:pPr>
-            <a:fld id="{3A6EF8DE-308B-4352-8558-4E2D7440E460}" type="slidenum">
+            <a:fld id="{C1A49628-98D7-46EB-95A7-03CD37CDDA26}" type="slidenum">
               <a:rPr b="0" lang="en-US" sz="1200" spc="-1" strike="noStrike">
                 <a:solidFill>
                   <a:srgbClr val="000000"/>
@@ -3984,7 +3984,7 @@
         <p:spPr>
           <a:xfrm>
             <a:off x="380880" y="685800"/>
-            <a:ext cx="6090840" cy="3423960"/>
+            <a:ext cx="6090480" cy="3423600"/>
           </a:xfrm>
           <a:prstGeom prst="rect">
             <a:avLst/>
@@ -4007,7 +4007,7 @@
         <p:spPr>
           <a:xfrm>
             <a:off x="685800" y="4343400"/>
-            <a:ext cx="5481360" cy="4109760"/>
+            <a:ext cx="5481000" cy="4109400"/>
           </a:xfrm>
           <a:prstGeom prst="rect">
             <a:avLst/>
@@ -4041,7 +4041,7 @@
         <p:spPr>
           <a:xfrm>
             <a:off x="3884760" y="8685360"/>
-            <a:ext cx="2966760" cy="452160"/>
+            <a:ext cx="2966400" cy="451800"/>
           </a:xfrm>
           <a:prstGeom prst="rect">
             <a:avLst/>
@@ -4077,7 +4077,7 @@
               </a:lnSpc>
               <a:buNone/>
             </a:pPr>
-            <a:fld id="{1D990409-F830-4D37-AD85-D81EB9B1AB3E}" type="slidenum">
+            <a:fld id="{0642B4DD-AE2C-4DAB-A526-CE49EC3C1DAC}" type="slidenum">
               <a:rPr b="0" lang="en-US" sz="1200" spc="-1" strike="noStrike">
                 <a:solidFill>
                   <a:srgbClr val="000000"/>
@@ -4128,7 +4128,7 @@
         <p:spPr>
           <a:xfrm>
             <a:off x="380880" y="685800"/>
-            <a:ext cx="6090840" cy="3423960"/>
+            <a:ext cx="6090480" cy="3423600"/>
           </a:xfrm>
           <a:prstGeom prst="rect">
             <a:avLst/>
@@ -4151,7 +4151,7 @@
         <p:spPr>
           <a:xfrm>
             <a:off x="685800" y="4343400"/>
-            <a:ext cx="5481360" cy="4109760"/>
+            <a:ext cx="5481000" cy="4109400"/>
           </a:xfrm>
           <a:prstGeom prst="rect">
             <a:avLst/>
@@ -4185,7 +4185,7 @@
         <p:spPr>
           <a:xfrm>
             <a:off x="3884760" y="8685360"/>
-            <a:ext cx="2966760" cy="452160"/>
+            <a:ext cx="2966400" cy="451800"/>
           </a:xfrm>
           <a:prstGeom prst="rect">
             <a:avLst/>
@@ -4221,7 +4221,7 @@
               </a:lnSpc>
               <a:buNone/>
             </a:pPr>
-            <a:fld id="{00DF36AB-6188-436B-B349-4AFE4C6434F7}" type="slidenum">
+            <a:fld id="{7074507F-048E-4358-9B02-D6BC03C6B27B}" type="slidenum">
               <a:rPr b="0" lang="en-US" sz="1200" spc="-1" strike="noStrike">
                 <a:solidFill>
                   <a:srgbClr val="000000"/>
@@ -4272,7 +4272,7 @@
         <p:spPr>
           <a:xfrm>
             <a:off x="380880" y="685800"/>
-            <a:ext cx="6090840" cy="3423960"/>
+            <a:ext cx="6090480" cy="3423600"/>
           </a:xfrm>
           <a:prstGeom prst="rect">
             <a:avLst/>
@@ -4295,7 +4295,7 @@
         <p:spPr>
           <a:xfrm>
             <a:off x="685800" y="4343400"/>
-            <a:ext cx="5481360" cy="4109760"/>
+            <a:ext cx="5481000" cy="4109400"/>
           </a:xfrm>
           <a:prstGeom prst="rect">
             <a:avLst/>
@@ -4329,7 +4329,7 @@
         <p:spPr>
           <a:xfrm>
             <a:off x="3884760" y="8685360"/>
-            <a:ext cx="2966760" cy="452160"/>
+            <a:ext cx="2966400" cy="451800"/>
           </a:xfrm>
           <a:prstGeom prst="rect">
             <a:avLst/>
@@ -4365,7 +4365,7 @@
               </a:lnSpc>
               <a:buNone/>
             </a:pPr>
-            <a:fld id="{36297025-E1FB-4D5A-9588-9141F77A5468}" type="slidenum">
+            <a:fld id="{AB581CCB-B006-4C68-8BEA-6B92C376E6B8}" type="slidenum">
               <a:rPr b="0" lang="en-US" sz="1200" spc="-1" strike="noStrike">
                 <a:solidFill>
                   <a:srgbClr val="000000"/>
@@ -4416,7 +4416,7 @@
         <p:spPr>
           <a:xfrm>
             <a:off x="380880" y="685800"/>
-            <a:ext cx="6090840" cy="3423960"/>
+            <a:ext cx="6090480" cy="3423600"/>
           </a:xfrm>
           <a:prstGeom prst="rect">
             <a:avLst/>
@@ -4439,7 +4439,7 @@
         <p:spPr>
           <a:xfrm>
             <a:off x="685800" y="4343400"/>
-            <a:ext cx="5481360" cy="4109760"/>
+            <a:ext cx="5481000" cy="4109400"/>
           </a:xfrm>
           <a:prstGeom prst="rect">
             <a:avLst/>
@@ -4473,7 +4473,7 @@
         <p:spPr>
           <a:xfrm>
             <a:off x="3884760" y="8685360"/>
-            <a:ext cx="2966760" cy="452160"/>
+            <a:ext cx="2966400" cy="451800"/>
           </a:xfrm>
           <a:prstGeom prst="rect">
             <a:avLst/>
@@ -4509,7 +4509,7 @@
               </a:lnSpc>
               <a:buNone/>
             </a:pPr>
-            <a:fld id="{C5F0BCC5-C4F1-4198-B790-6E2566DFF078}" type="slidenum">
+            <a:fld id="{C1A8928E-FC3B-4440-96E2-20B93E15AA80}" type="slidenum">
               <a:rPr b="0" lang="en-US" sz="1200" spc="-1" strike="noStrike">
                 <a:solidFill>
                   <a:srgbClr val="000000"/>
@@ -4560,7 +4560,7 @@
         <p:spPr>
           <a:xfrm>
             <a:off x="380880" y="685800"/>
-            <a:ext cx="6090840" cy="3423960"/>
+            <a:ext cx="6090480" cy="3423600"/>
           </a:xfrm>
           <a:prstGeom prst="rect">
             <a:avLst/>
@@ -4583,7 +4583,7 @@
         <p:spPr>
           <a:xfrm>
             <a:off x="685800" y="4343400"/>
-            <a:ext cx="5481360" cy="4109760"/>
+            <a:ext cx="5481000" cy="4109400"/>
           </a:xfrm>
           <a:prstGeom prst="rect">
             <a:avLst/>
@@ -4617,7 +4617,7 @@
         <p:spPr>
           <a:xfrm>
             <a:off x="3884760" y="8685360"/>
-            <a:ext cx="2966760" cy="452160"/>
+            <a:ext cx="2966400" cy="451800"/>
           </a:xfrm>
           <a:prstGeom prst="rect">
             <a:avLst/>
@@ -4653,7 +4653,7 @@
               </a:lnSpc>
               <a:buNone/>
             </a:pPr>
-            <a:fld id="{4BF6FE56-BF23-4FDB-9750-006F4FB6BB86}" type="slidenum">
+            <a:fld id="{1B893224-EDF8-4F60-A937-3F69CFBEF1E5}" type="slidenum">
               <a:rPr b="0" lang="en-US" sz="1200" spc="-1" strike="noStrike">
                 <a:solidFill>
                   <a:srgbClr val="000000"/>
@@ -4704,7 +4704,7 @@
         <p:spPr>
           <a:xfrm>
             <a:off x="380880" y="685800"/>
-            <a:ext cx="6090840" cy="3423960"/>
+            <a:ext cx="6090480" cy="3423600"/>
           </a:xfrm>
           <a:prstGeom prst="rect">
             <a:avLst/>
@@ -4727,7 +4727,7 @@
         <p:spPr>
           <a:xfrm>
             <a:off x="685800" y="4343400"/>
-            <a:ext cx="5481360" cy="4109760"/>
+            <a:ext cx="5481000" cy="4109400"/>
           </a:xfrm>
           <a:prstGeom prst="rect">
             <a:avLst/>
@@ -4761,7 +4761,7 @@
         <p:spPr>
           <a:xfrm>
             <a:off x="3884760" y="8685360"/>
-            <a:ext cx="2966760" cy="452160"/>
+            <a:ext cx="2966400" cy="451800"/>
           </a:xfrm>
           <a:prstGeom prst="rect">
             <a:avLst/>
@@ -4797,7 +4797,7 @@
               </a:lnSpc>
               <a:buNone/>
             </a:pPr>
-            <a:fld id="{13C8BA4B-229C-44EE-9DCC-27688910ADE1}" type="slidenum">
+            <a:fld id="{08758123-06B5-41E9-A6C4-B46EA291E428}" type="slidenum">
               <a:rPr b="0" lang="en-US" sz="1200" spc="-1" strike="noStrike">
                 <a:solidFill>
                   <a:srgbClr val="000000"/>
@@ -4848,7 +4848,7 @@
         <p:spPr>
           <a:xfrm>
             <a:off x="380880" y="685800"/>
-            <a:ext cx="6090840" cy="3423960"/>
+            <a:ext cx="6090480" cy="3423600"/>
           </a:xfrm>
           <a:prstGeom prst="rect">
             <a:avLst/>
@@ -4871,7 +4871,7 @@
         <p:spPr>
           <a:xfrm>
             <a:off x="685800" y="4343400"/>
-            <a:ext cx="5481360" cy="4109760"/>
+            <a:ext cx="5481000" cy="4109400"/>
           </a:xfrm>
           <a:prstGeom prst="rect">
             <a:avLst/>
@@ -4905,7 +4905,7 @@
         <p:spPr>
           <a:xfrm>
             <a:off x="3884760" y="8685360"/>
-            <a:ext cx="2966760" cy="452160"/>
+            <a:ext cx="2966400" cy="451800"/>
           </a:xfrm>
           <a:prstGeom prst="rect">
             <a:avLst/>
@@ -4941,7 +4941,7 @@
               </a:lnSpc>
               <a:buNone/>
             </a:pPr>
-            <a:fld id="{64DC232A-2BCC-417D-ABE4-B4F705D7023F}" type="slidenum">
+            <a:fld id="{8CE96C45-BDD6-40AB-BB72-7783C25BC4E1}" type="slidenum">
               <a:rPr b="0" lang="en-US" sz="1200" spc="-1" strike="noStrike">
                 <a:solidFill>
                   <a:srgbClr val="000000"/>
@@ -4992,7 +4992,7 @@
         <p:spPr>
           <a:xfrm>
             <a:off x="380880" y="685800"/>
-            <a:ext cx="6090840" cy="3423960"/>
+            <a:ext cx="6090480" cy="3423600"/>
           </a:xfrm>
           <a:prstGeom prst="rect">
             <a:avLst/>
@@ -5015,7 +5015,7 @@
         <p:spPr>
           <a:xfrm>
             <a:off x="685800" y="4343400"/>
-            <a:ext cx="5481360" cy="4109760"/>
+            <a:ext cx="5481000" cy="4109400"/>
           </a:xfrm>
           <a:prstGeom prst="rect">
             <a:avLst/>
@@ -5049,7 +5049,7 @@
         <p:spPr>
           <a:xfrm>
             <a:off x="3884760" y="8685360"/>
-            <a:ext cx="2966760" cy="452160"/>
+            <a:ext cx="2966400" cy="451800"/>
           </a:xfrm>
           <a:prstGeom prst="rect">
             <a:avLst/>
@@ -5085,7 +5085,7 @@
               </a:lnSpc>
               <a:buNone/>
             </a:pPr>
-            <a:fld id="{45F4FD0C-2EE2-4BD1-A5A4-5486DCE46438}" type="slidenum">
+            <a:fld id="{9910C0BD-68E3-4869-8F1F-BE175B010F8B}" type="slidenum">
               <a:rPr b="0" lang="en-US" sz="1200" spc="-1" strike="noStrike">
                 <a:solidFill>
                   <a:srgbClr val="000000"/>
@@ -5136,7 +5136,7 @@
         <p:spPr>
           <a:xfrm>
             <a:off x="380880" y="685800"/>
-            <a:ext cx="6090840" cy="3423960"/>
+            <a:ext cx="6090480" cy="3423600"/>
           </a:xfrm>
           <a:prstGeom prst="rect">
             <a:avLst/>
@@ -5159,7 +5159,7 @@
         <p:spPr>
           <a:xfrm>
             <a:off x="685800" y="4343400"/>
-            <a:ext cx="5481360" cy="4109760"/>
+            <a:ext cx="5481000" cy="4109400"/>
           </a:xfrm>
           <a:prstGeom prst="rect">
             <a:avLst/>
@@ -5193,7 +5193,7 @@
         <p:spPr>
           <a:xfrm>
             <a:off x="3884760" y="8685360"/>
-            <a:ext cx="2966760" cy="452160"/>
+            <a:ext cx="2966400" cy="451800"/>
           </a:xfrm>
           <a:prstGeom prst="rect">
             <a:avLst/>
@@ -5229,7 +5229,7 @@
               </a:lnSpc>
               <a:buNone/>
             </a:pPr>
-            <a:fld id="{27CAEF39-757E-46CC-8BC7-A16B80A8E374}" type="slidenum">
+            <a:fld id="{2728BC93-774C-43C9-BF37-7448F5632653}" type="slidenum">
               <a:rPr b="0" lang="en-US" sz="1200" spc="-1" strike="noStrike">
                 <a:solidFill>
                   <a:srgbClr val="000000"/>
@@ -5280,7 +5280,7 @@
         <p:spPr>
           <a:xfrm>
             <a:off x="380880" y="685800"/>
-            <a:ext cx="6090840" cy="3423960"/>
+            <a:ext cx="6090480" cy="3423600"/>
           </a:xfrm>
           <a:prstGeom prst="rect">
             <a:avLst/>
@@ -5303,7 +5303,7 @@
         <p:spPr>
           <a:xfrm>
             <a:off x="685800" y="4343400"/>
-            <a:ext cx="5481360" cy="4109760"/>
+            <a:ext cx="5481000" cy="4109400"/>
           </a:xfrm>
           <a:prstGeom prst="rect">
             <a:avLst/>
@@ -5337,7 +5337,7 @@
         <p:spPr>
           <a:xfrm>
             <a:off x="3884760" y="8685360"/>
-            <a:ext cx="2966760" cy="452160"/>
+            <a:ext cx="2966400" cy="451800"/>
           </a:xfrm>
           <a:prstGeom prst="rect">
             <a:avLst/>
@@ -5373,7 +5373,7 @@
               </a:lnSpc>
               <a:buNone/>
             </a:pPr>
-            <a:fld id="{9353F8AA-FB62-472E-9442-1ACFF147B78E}" type="slidenum">
+            <a:fld id="{17BCA97B-F597-4D97-9558-C7C81879FD35}" type="slidenum">
               <a:rPr b="0" lang="en-US" sz="1200" spc="-1" strike="noStrike">
                 <a:solidFill>
                   <a:srgbClr val="000000"/>
@@ -5424,7 +5424,7 @@
         <p:spPr>
           <a:xfrm>
             <a:off x="380880" y="685800"/>
-            <a:ext cx="6090840" cy="3423960"/>
+            <a:ext cx="6090480" cy="3423600"/>
           </a:xfrm>
           <a:prstGeom prst="rect">
             <a:avLst/>
@@ -5447,7 +5447,7 @@
         <p:spPr>
           <a:xfrm>
             <a:off x="685800" y="4343400"/>
-            <a:ext cx="5481360" cy="4109760"/>
+            <a:ext cx="5481000" cy="4109400"/>
           </a:xfrm>
           <a:prstGeom prst="rect">
             <a:avLst/>
@@ -5481,7 +5481,7 @@
         <p:spPr>
           <a:xfrm>
             <a:off x="3884760" y="8685360"/>
-            <a:ext cx="2966760" cy="452160"/>
+            <a:ext cx="2966400" cy="451800"/>
           </a:xfrm>
           <a:prstGeom prst="rect">
             <a:avLst/>
@@ -5517,7 +5517,7 @@
               </a:lnSpc>
               <a:buNone/>
             </a:pPr>
-            <a:fld id="{B1F93A43-D458-4AB7-8466-CE26107F92F0}" type="slidenum">
+            <a:fld id="{E7C5F89F-79D4-4959-A9AF-3332BBED7629}" type="slidenum">
               <a:rPr b="0" lang="en-US" sz="1200" spc="-1" strike="noStrike">
                 <a:solidFill>
                   <a:srgbClr val="000000"/>
@@ -5568,7 +5568,7 @@
         <p:spPr>
           <a:xfrm>
             <a:off x="380880" y="685800"/>
-            <a:ext cx="6090840" cy="3423960"/>
+            <a:ext cx="6090480" cy="3423600"/>
           </a:xfrm>
           <a:prstGeom prst="rect">
             <a:avLst/>
@@ -5591,7 +5591,7 @@
         <p:spPr>
           <a:xfrm>
             <a:off x="685800" y="4343400"/>
-            <a:ext cx="5481360" cy="4109760"/>
+            <a:ext cx="5481000" cy="4109400"/>
           </a:xfrm>
           <a:prstGeom prst="rect">
             <a:avLst/>
@@ -5625,7 +5625,7 @@
         <p:spPr>
           <a:xfrm>
             <a:off x="3884760" y="8685360"/>
-            <a:ext cx="2966760" cy="452160"/>
+            <a:ext cx="2966400" cy="451800"/>
           </a:xfrm>
           <a:prstGeom prst="rect">
             <a:avLst/>
@@ -5661,7 +5661,7 @@
               </a:lnSpc>
               <a:buNone/>
             </a:pPr>
-            <a:fld id="{07B0B70E-54C6-4D76-ABE8-BA58A9CEF491}" type="slidenum">
+            <a:fld id="{8DED4542-2A42-49CB-A4B6-1C6D17B294E6}" type="slidenum">
               <a:rPr b="0" lang="en-US" sz="1200" spc="-1" strike="noStrike">
                 <a:solidFill>
                   <a:srgbClr val="000000"/>
@@ -5712,7 +5712,7 @@
         <p:spPr>
           <a:xfrm>
             <a:off x="380880" y="685800"/>
-            <a:ext cx="6090840" cy="3423960"/>
+            <a:ext cx="6090480" cy="3423600"/>
           </a:xfrm>
           <a:prstGeom prst="rect">
             <a:avLst/>
@@ -5735,7 +5735,7 @@
         <p:spPr>
           <a:xfrm>
             <a:off x="685800" y="4343400"/>
-            <a:ext cx="5481360" cy="4109760"/>
+            <a:ext cx="5481000" cy="4109400"/>
           </a:xfrm>
           <a:prstGeom prst="rect">
             <a:avLst/>
@@ -5769,7 +5769,7 @@
         <p:spPr>
           <a:xfrm>
             <a:off x="3884760" y="8685360"/>
-            <a:ext cx="2966760" cy="452160"/>
+            <a:ext cx="2966400" cy="451800"/>
           </a:xfrm>
           <a:prstGeom prst="rect">
             <a:avLst/>
@@ -5805,7 +5805,7 @@
               </a:lnSpc>
               <a:buNone/>
             </a:pPr>
-            <a:fld id="{9C65D4C3-7627-4F00-86E5-5DDDCA6E912F}" type="slidenum">
+            <a:fld id="{88A78D22-F7C1-4F61-B122-814666E57802}" type="slidenum">
               <a:rPr b="0" lang="en-US" sz="1200" spc="-1" strike="noStrike">
                 <a:solidFill>
                   <a:srgbClr val="000000"/>
@@ -5856,7 +5856,7 @@
         <p:spPr>
           <a:xfrm>
             <a:off x="380880" y="685800"/>
-            <a:ext cx="6090840" cy="3423960"/>
+            <a:ext cx="6090480" cy="3423600"/>
           </a:xfrm>
           <a:prstGeom prst="rect">
             <a:avLst/>
@@ -5879,7 +5879,7 @@
         <p:spPr>
           <a:xfrm>
             <a:off x="685800" y="4343400"/>
-            <a:ext cx="5481360" cy="4109760"/>
+            <a:ext cx="5481000" cy="4109400"/>
           </a:xfrm>
           <a:prstGeom prst="rect">
             <a:avLst/>
@@ -5913,7 +5913,7 @@
         <p:spPr>
           <a:xfrm>
             <a:off x="3884760" y="8685360"/>
-            <a:ext cx="2966760" cy="452160"/>
+            <a:ext cx="2966400" cy="451800"/>
           </a:xfrm>
           <a:prstGeom prst="rect">
             <a:avLst/>
@@ -5949,7 +5949,7 @@
               </a:lnSpc>
               <a:buNone/>
             </a:pPr>
-            <a:fld id="{3EBE7280-B177-4695-95A2-449AFBF5A6D8}" type="slidenum">
+            <a:fld id="{167BBB60-5AB4-428D-95C7-5C279F0C6F01}" type="slidenum">
               <a:rPr b="0" lang="en-US" sz="1200" spc="-1" strike="noStrike">
                 <a:solidFill>
                   <a:srgbClr val="000000"/>
@@ -6000,7 +6000,7 @@
         <p:spPr>
           <a:xfrm>
             <a:off x="380880" y="685800"/>
-            <a:ext cx="6090840" cy="3423960"/>
+            <a:ext cx="6090480" cy="3423600"/>
           </a:xfrm>
           <a:prstGeom prst="rect">
             <a:avLst/>
@@ -6023,7 +6023,7 @@
         <p:spPr>
           <a:xfrm>
             <a:off x="685800" y="4343400"/>
-            <a:ext cx="5481360" cy="4109760"/>
+            <a:ext cx="5481000" cy="4109400"/>
           </a:xfrm>
           <a:prstGeom prst="rect">
             <a:avLst/>
@@ -6057,7 +6057,7 @@
         <p:spPr>
           <a:xfrm>
             <a:off x="3884760" y="8685360"/>
-            <a:ext cx="2966760" cy="452160"/>
+            <a:ext cx="2966400" cy="451800"/>
           </a:xfrm>
           <a:prstGeom prst="rect">
             <a:avLst/>
@@ -6093,7 +6093,7 @@
               </a:lnSpc>
               <a:buNone/>
             </a:pPr>
-            <a:fld id="{09016663-22A4-4138-BAD7-A8E2C1FF649D}" type="slidenum">
+            <a:fld id="{DE018983-D1A2-4F3E-9E83-59F0C3816EDC}" type="slidenum">
               <a:rPr b="0" lang="en-US" sz="1200" spc="-1" strike="noStrike">
                 <a:solidFill>
                   <a:srgbClr val="000000"/>
@@ -6144,7 +6144,7 @@
         <p:spPr>
           <a:xfrm>
             <a:off x="380880" y="685800"/>
-            <a:ext cx="6090840" cy="3423960"/>
+            <a:ext cx="6090480" cy="3423600"/>
           </a:xfrm>
           <a:prstGeom prst="rect">
             <a:avLst/>
@@ -6167,7 +6167,7 @@
         <p:spPr>
           <a:xfrm>
             <a:off x="685800" y="4343400"/>
-            <a:ext cx="5481360" cy="4109760"/>
+            <a:ext cx="5481000" cy="4109400"/>
           </a:xfrm>
           <a:prstGeom prst="rect">
             <a:avLst/>
@@ -6201,7 +6201,7 @@
         <p:spPr>
           <a:xfrm>
             <a:off x="3884760" y="8685360"/>
-            <a:ext cx="2966760" cy="452160"/>
+            <a:ext cx="2966400" cy="451800"/>
           </a:xfrm>
           <a:prstGeom prst="rect">
             <a:avLst/>
@@ -6237,7 +6237,7 @@
               </a:lnSpc>
               <a:buNone/>
             </a:pPr>
-            <a:fld id="{92BB4233-985F-471B-BAE2-130EFDAB21DF}" type="slidenum">
+            <a:fld id="{F0B1A389-880D-461D-8674-18D023CC93DA}" type="slidenum">
               <a:rPr b="0" lang="en-US" sz="1200" spc="-1" strike="noStrike">
                 <a:solidFill>
                   <a:srgbClr val="000000"/>
@@ -6288,7 +6288,7 @@
         <p:spPr>
           <a:xfrm>
             <a:off x="380880" y="685800"/>
-            <a:ext cx="6090840" cy="3423960"/>
+            <a:ext cx="6090480" cy="3423600"/>
           </a:xfrm>
           <a:prstGeom prst="rect">
             <a:avLst/>
@@ -6311,7 +6311,7 @@
         <p:spPr>
           <a:xfrm>
             <a:off x="685800" y="4343400"/>
-            <a:ext cx="5481360" cy="4109760"/>
+            <a:ext cx="5481000" cy="4109400"/>
           </a:xfrm>
           <a:prstGeom prst="rect">
             <a:avLst/>
@@ -6345,7 +6345,7 @@
         <p:spPr>
           <a:xfrm>
             <a:off x="3884760" y="8685360"/>
-            <a:ext cx="2966760" cy="452160"/>
+            <a:ext cx="2966400" cy="451800"/>
           </a:xfrm>
           <a:prstGeom prst="rect">
             <a:avLst/>
@@ -6381,7 +6381,7 @@
               </a:lnSpc>
               <a:buNone/>
             </a:pPr>
-            <a:fld id="{A9AA9B51-F369-4539-B631-B7702E6C401A}" type="slidenum">
+            <a:fld id="{DBEAE183-BDE1-452E-9193-20A31CB4EC18}" type="slidenum">
               <a:rPr b="0" lang="en-US" sz="1200" spc="-1" strike="noStrike">
                 <a:solidFill>
                   <a:srgbClr val="000000"/>
@@ -6432,7 +6432,7 @@
         <p:spPr>
           <a:xfrm>
             <a:off x="380880" y="685800"/>
-            <a:ext cx="6090840" cy="3423960"/>
+            <a:ext cx="6090480" cy="3423600"/>
           </a:xfrm>
           <a:prstGeom prst="rect">
             <a:avLst/>
@@ -6455,7 +6455,7 @@
         <p:spPr>
           <a:xfrm>
             <a:off x="685800" y="4343400"/>
-            <a:ext cx="5481360" cy="4109760"/>
+            <a:ext cx="5481000" cy="4109400"/>
           </a:xfrm>
           <a:prstGeom prst="rect">
             <a:avLst/>
@@ -6489,7 +6489,7 @@
         <p:spPr>
           <a:xfrm>
             <a:off x="3884760" y="8685360"/>
-            <a:ext cx="2966760" cy="452160"/>
+            <a:ext cx="2966400" cy="451800"/>
           </a:xfrm>
           <a:prstGeom prst="rect">
             <a:avLst/>
@@ -6525,7 +6525,7 @@
               </a:lnSpc>
               <a:buNone/>
             </a:pPr>
-            <a:fld id="{4A106488-0BCF-41B1-B193-049AAB01C102}" type="slidenum">
+            <a:fld id="{AE0837B8-DC0B-4D6B-9D57-FD6FAD6DDCC5}" type="slidenum">
               <a:rPr b="0" lang="en-US" sz="1200" spc="-1" strike="noStrike">
                 <a:solidFill>
                   <a:srgbClr val="000000"/>
@@ -6576,7 +6576,7 @@
         <p:spPr>
           <a:xfrm>
             <a:off x="380880" y="685800"/>
-            <a:ext cx="6090840" cy="3423960"/>
+            <a:ext cx="6090480" cy="3423600"/>
           </a:xfrm>
           <a:prstGeom prst="rect">
             <a:avLst/>
@@ -6599,7 +6599,7 @@
         <p:spPr>
           <a:xfrm>
             <a:off x="685800" y="4343400"/>
-            <a:ext cx="5481360" cy="4109760"/>
+            <a:ext cx="5481000" cy="4109400"/>
           </a:xfrm>
           <a:prstGeom prst="rect">
             <a:avLst/>
@@ -6633,7 +6633,7 @@
         <p:spPr>
           <a:xfrm>
             <a:off x="3884760" y="8685360"/>
-            <a:ext cx="2966760" cy="452160"/>
+            <a:ext cx="2966400" cy="451800"/>
           </a:xfrm>
           <a:prstGeom prst="rect">
             <a:avLst/>
@@ -6669,7 +6669,7 @@
               </a:lnSpc>
               <a:buNone/>
             </a:pPr>
-            <a:fld id="{4627FA29-5C9E-42AC-8D18-2F3958F3CBFE}" type="slidenum">
+            <a:fld id="{8447E5A4-00F6-422B-8DDB-0C00D2EDE8C9}" type="slidenum">
               <a:rPr b="0" lang="en-US" sz="1200" spc="-1" strike="noStrike">
                 <a:solidFill>
                   <a:srgbClr val="000000"/>
@@ -6720,7 +6720,7 @@
         <p:spPr>
           <a:xfrm>
             <a:off x="380880" y="685800"/>
-            <a:ext cx="6090840" cy="3423960"/>
+            <a:ext cx="6090480" cy="3423600"/>
           </a:xfrm>
           <a:prstGeom prst="rect">
             <a:avLst/>
@@ -6743,7 +6743,7 @@
         <p:spPr>
           <a:xfrm>
             <a:off x="685800" y="4343400"/>
-            <a:ext cx="5481360" cy="4109760"/>
+            <a:ext cx="5481000" cy="4109400"/>
           </a:xfrm>
           <a:prstGeom prst="rect">
             <a:avLst/>
@@ -6777,7 +6777,7 @@
         <p:spPr>
           <a:xfrm>
             <a:off x="3884760" y="8685360"/>
-            <a:ext cx="2966760" cy="452160"/>
+            <a:ext cx="2966400" cy="451800"/>
           </a:xfrm>
           <a:prstGeom prst="rect">
             <a:avLst/>
@@ -6813,7 +6813,7 @@
               </a:lnSpc>
               <a:buNone/>
             </a:pPr>
-            <a:fld id="{5CF404CA-CEBE-45A4-9C69-B85F17E9B6AD}" type="slidenum">
+            <a:fld id="{5A4CED44-4F3F-48D4-B6F1-5BD08388B6D2}" type="slidenum">
               <a:rPr b="0" lang="en-US" sz="1200" spc="-1" strike="noStrike">
                 <a:solidFill>
                   <a:srgbClr val="000000"/>
@@ -6885,7 +6885,7 @@
         <p:txBody>
           <a:bodyPr/>
           <a:p>
-            <a:fld id="{451A7927-F3CE-441A-A864-55B245EA439F}" type="slidenum">
+            <a:fld id="{6CF7C9C2-8698-4E2F-A8B9-2DE60C3AB526}" type="slidenum">
               <a:t>&lt;#&gt;</a:t>
             </a:fld>
           </a:p>
@@ -7073,7 +7073,7 @@
         <p:txBody>
           <a:bodyPr/>
           <a:p>
-            <a:fld id="{35100585-32DE-4913-A3E2-00BFB6AFD86E}" type="slidenum">
+            <a:fld id="{D0EDC66F-0515-4475-8289-85740722EF23}" type="slidenum">
               <a:t>&lt;#&gt;</a:t>
             </a:fld>
           </a:p>
@@ -7329,7 +7329,7 @@
         <p:txBody>
           <a:bodyPr/>
           <a:p>
-            <a:fld id="{7C7BF2B3-32F0-4213-A596-AF100C4327A0}" type="slidenum">
+            <a:fld id="{708C779D-63DB-4AB8-B0CA-DAB6446E2776}" type="slidenum">
               <a:t>&lt;#&gt;</a:t>
             </a:fld>
           </a:p>
@@ -7653,7 +7653,7 @@
         <p:txBody>
           <a:bodyPr/>
           <a:p>
-            <a:fld id="{A9C573E3-B31E-4C42-B07F-4748D9EE97DE}" type="slidenum">
+            <a:fld id="{6E91C907-824A-492B-9BA8-837E82A18AB2}" type="slidenum">
               <a:t>&lt;#&gt;</a:t>
             </a:fld>
           </a:p>
@@ -7810,7 +7810,7 @@
         <p:txBody>
           <a:bodyPr/>
           <a:p>
-            <a:fld id="{4BE8CDD9-92A9-437A-99F6-6041D2C83FEC}" type="slidenum">
+            <a:fld id="{BBE6C0A3-342B-41C5-90C0-665886837FFE}" type="slidenum">
               <a:t>&lt;#&gt;</a:t>
             </a:fld>
           </a:p>
@@ -7964,7 +7964,7 @@
         <p:txBody>
           <a:bodyPr/>
           <a:p>
-            <a:fld id="{CD2BAF5E-DA25-4AF9-9017-0605EE9360D3}" type="slidenum">
+            <a:fld id="{9F2A3208-B34A-4AC7-8F77-622C07713701}" type="slidenum">
               <a:t>&lt;#&gt;</a:t>
             </a:fld>
           </a:p>
@@ -8152,7 +8152,7 @@
         <p:txBody>
           <a:bodyPr/>
           <a:p>
-            <a:fld id="{EB769062-22F6-486A-83E4-03A7BD74961B}" type="slidenum">
+            <a:fld id="{0B920E0E-BF6A-44D1-95EF-88F8EB5B1343}" type="slidenum">
               <a:t>&lt;#&gt;</a:t>
             </a:fld>
           </a:p>
@@ -8272,7 +8272,7 @@
         <p:txBody>
           <a:bodyPr/>
           <a:p>
-            <a:fld id="{4329C044-44B4-437B-A5FF-20E9F134AC86}" type="slidenum">
+            <a:fld id="{D8B3C2D4-7263-4E8D-8C6F-1ADB083FD2A4}" type="slidenum">
               <a:t>&lt;#&gt;</a:t>
             </a:fld>
           </a:p>
@@ -8392,7 +8392,7 @@
         <p:txBody>
           <a:bodyPr/>
           <a:p>
-            <a:fld id="{87D423B0-BB06-44EF-A176-36CE04459F39}" type="slidenum">
+            <a:fld id="{91278C1A-B1C5-4DAD-9D8C-80AF4D6063A8}" type="slidenum">
               <a:t>&lt;#&gt;</a:t>
             </a:fld>
           </a:p>
@@ -8614,7 +8614,7 @@
         <p:txBody>
           <a:bodyPr/>
           <a:p>
-            <a:fld id="{1E749106-EE85-4167-B8FB-22E76AEC869A}" type="slidenum">
+            <a:fld id="{D03F841D-7DA0-4B95-989A-1AE8BAA75803}" type="slidenum">
               <a:t>&lt;#&gt;</a:t>
             </a:fld>
           </a:p>
@@ -8836,7 +8836,7 @@
         <p:txBody>
           <a:bodyPr/>
           <a:p>
-            <a:fld id="{8331714F-53D4-4C34-BC75-1493CF03EAD0}" type="slidenum">
+            <a:fld id="{E5549D10-C3D6-48BD-90FD-04EAC526808F}" type="slidenum">
               <a:t>&lt;#&gt;</a:t>
             </a:fld>
           </a:p>
@@ -9058,7 +9058,7 @@
         <p:txBody>
           <a:bodyPr/>
           <a:p>
-            <a:fld id="{F7CFCFC8-39D0-46F7-896B-75724BA0ACDC}" type="slidenum">
+            <a:fld id="{5BE63457-781B-44BC-9281-1CD6167A575F}" type="slidenum">
               <a:t>&lt;#&gt;</a:t>
             </a:fld>
           </a:p>
@@ -9127,7 +9127,7 @@
         <p:spPr>
           <a:xfrm>
             <a:off x="3028680" y="4771440"/>
-            <a:ext cx="3081600" cy="269640"/>
+            <a:ext cx="3081240" cy="269280"/>
           </a:xfrm>
           <a:prstGeom prst="rect">
             <a:avLst/>
@@ -9192,7 +9192,7 @@
         <p:spPr>
           <a:xfrm>
             <a:off x="6457680" y="4771440"/>
-            <a:ext cx="2053080" cy="269640"/>
+            <a:ext cx="2052720" cy="269280"/>
           </a:xfrm>
           <a:prstGeom prst="rect">
             <a:avLst/>
@@ -9228,7 +9228,7 @@
               </a:lnSpc>
               <a:buNone/>
             </a:pPr>
-            <a:fld id="{D412AAC3-AB99-4F6C-9AF2-810F0B722894}" type="slidenum">
+            <a:fld id="{31772716-167F-4D28-AE7D-0401A62CC2E9}" type="slidenum">
               <a:rPr b="0" lang="en-US" sz="1200" spc="-1" strike="noStrike">
                 <a:solidFill>
                   <a:srgbClr val="8b8b8b"/>
@@ -9257,7 +9257,7 @@
         <p:spPr>
           <a:xfrm>
             <a:off x="628200" y="4771440"/>
-            <a:ext cx="2053080" cy="269640"/>
+            <a:ext cx="2052720" cy="269280"/>
           </a:xfrm>
           <a:prstGeom prst="rect">
             <a:avLst/>
@@ -9569,8 +9569,8 @@
         </p:nvSpPr>
         <p:spPr>
           <a:xfrm rot="2744400">
-            <a:off x="-280080" y="-25560"/>
-            <a:ext cx="703800" cy="703440"/>
+            <a:off x="-279720" y="-25560"/>
+            <a:ext cx="703440" cy="703080"/>
           </a:xfrm>
           <a:prstGeom prst="roundRect">
             <a:avLst>
@@ -9607,8 +9607,8 @@
         </p:nvSpPr>
         <p:spPr>
           <a:xfrm rot="2625600">
-            <a:off x="6024960" y="4332600"/>
-            <a:ext cx="467640" cy="467640"/>
+            <a:off x="6024960" y="4332240"/>
+            <a:ext cx="467280" cy="467280"/>
           </a:xfrm>
           <a:prstGeom prst="roundRect">
             <a:avLst>
@@ -9645,8 +9645,8 @@
         </p:nvSpPr>
         <p:spPr>
           <a:xfrm rot="18679200">
-            <a:off x="7003440" y="948600"/>
-            <a:ext cx="4939200" cy="4665600"/>
+            <a:off x="7003080" y="948600"/>
+            <a:ext cx="4938840" cy="4665240"/>
           </a:xfrm>
           <a:prstGeom prst="roundRect">
             <a:avLst>
@@ -9684,7 +9684,7 @@
         <p:spPr>
           <a:xfrm>
             <a:off x="459720" y="4671360"/>
-            <a:ext cx="2994840" cy="265680"/>
+            <a:ext cx="2994480" cy="265320"/>
           </a:xfrm>
           <a:prstGeom prst="rect">
             <a:avLst/>
@@ -9749,8 +9749,8 @@
         </p:blipFill>
         <p:spPr>
           <a:xfrm>
-            <a:off x="2423160" y="4671720"/>
-            <a:ext cx="287280" cy="287280"/>
+            <a:off x="3035160" y="4743720"/>
+            <a:ext cx="286920" cy="286920"/>
           </a:xfrm>
           <a:prstGeom prst="rect">
             <a:avLst/>
@@ -9769,7 +9769,7 @@
         <p:spPr>
           <a:xfrm>
             <a:off x="484920" y="1681560"/>
-            <a:ext cx="5480280" cy="1881720"/>
+            <a:ext cx="5479920" cy="1881360"/>
           </a:xfrm>
           <a:prstGeom prst="rect">
             <a:avLst/>
@@ -9857,8 +9857,8 @@
         </p:nvSpPr>
         <p:spPr>
           <a:xfrm rot="2744400">
-            <a:off x="-280080" y="-25560"/>
-            <a:ext cx="703800" cy="703440"/>
+            <a:off x="-279720" y="-25560"/>
+            <a:ext cx="703440" cy="703080"/>
           </a:xfrm>
           <a:prstGeom prst="roundRect">
             <a:avLst>
@@ -9896,7 +9896,7 @@
         <p:spPr>
           <a:xfrm rot="2332200">
             <a:off x="6009120" y="-319680"/>
-            <a:ext cx="4854960" cy="7725960"/>
+            <a:ext cx="4854600" cy="7725600"/>
           </a:xfrm>
           <a:prstGeom prst="roundRect">
             <a:avLst>
@@ -9934,9 +9934,9 @@
         <p:grpSpPr>
           <a:xfrm>
             <a:off x="4571640" y="828000"/>
-            <a:ext cx="4467600" cy="3563640"/>
+            <a:ext cx="4467240" cy="3563280"/>
             <a:chOff x="4571640" y="828000"/>
-            <a:chExt cx="4467600" cy="3563640"/>
+            <a:chExt cx="4467240" cy="3563280"/>
           </a:xfrm>
         </p:grpSpPr>
         <p:pic>
@@ -9952,7 +9952,7 @@
           <p:spPr>
             <a:xfrm>
               <a:off x="4571640" y="828000"/>
-              <a:ext cx="4467600" cy="3563640"/>
+              <a:ext cx="4467240" cy="3563280"/>
             </a:xfrm>
             <a:prstGeom prst="rect">
               <a:avLst/>
@@ -9970,8 +9970,8 @@
           </p:nvSpPr>
           <p:spPr>
             <a:xfrm rot="16200000">
-              <a:off x="5962680" y="1159560"/>
-              <a:ext cx="1736640" cy="2770560"/>
+              <a:off x="5962680" y="1159920"/>
+              <a:ext cx="1736280" cy="2770200"/>
             </a:xfrm>
             <a:prstGeom prst="roundRect">
               <a:avLst>
@@ -10038,7 +10038,7 @@
         <p:spPr>
           <a:xfrm>
             <a:off x="5446080" y="1672200"/>
-            <a:ext cx="2770200" cy="1736640"/>
+            <a:ext cx="2769840" cy="1736280"/>
           </a:xfrm>
           <a:prstGeom prst="rect">
             <a:avLst/>
@@ -10090,7 +10090,7 @@
         <p:spPr>
           <a:xfrm>
             <a:off x="586440" y="1246680"/>
-            <a:ext cx="4003560" cy="3599280"/>
+            <a:ext cx="4003200" cy="3598920"/>
           </a:xfrm>
           <a:prstGeom prst="rect">
             <a:avLst/>
@@ -10142,7 +10142,7 @@
         <p:spPr>
           <a:xfrm>
             <a:off x="586440" y="453960"/>
-            <a:ext cx="4763520" cy="854640"/>
+            <a:ext cx="4763160" cy="854280"/>
           </a:xfrm>
           <a:prstGeom prst="rect">
             <a:avLst/>
@@ -10230,8 +10230,8 @@
         </p:nvSpPr>
         <p:spPr>
           <a:xfrm rot="2745600">
-            <a:off x="8349840" y="-668160"/>
-            <a:ext cx="1497600" cy="1497600"/>
+            <a:off x="8349840" y="-667800"/>
+            <a:ext cx="1497240" cy="1497240"/>
           </a:xfrm>
           <a:prstGeom prst="roundRect">
             <a:avLst>
@@ -10269,7 +10269,7 @@
         <p:spPr>
           <a:xfrm rot="2745600">
             <a:off x="7634160" y="-322200"/>
-            <a:ext cx="806400" cy="806760"/>
+            <a:ext cx="806040" cy="806400"/>
           </a:xfrm>
           <a:prstGeom prst="roundRect">
             <a:avLst>
@@ -10308,7 +10308,7 @@
         <p:spPr>
           <a:xfrm>
             <a:off x="586440" y="899640"/>
-            <a:ext cx="7931160" cy="1536480"/>
+            <a:ext cx="7930800" cy="1536120"/>
           </a:xfrm>
           <a:prstGeom prst="rect">
             <a:avLst/>
@@ -10360,7 +10360,7 @@
         <p:spPr>
           <a:xfrm>
             <a:off x="608040" y="2545560"/>
-            <a:ext cx="3711600" cy="2255040"/>
+            <a:ext cx="3711240" cy="2254680"/>
           </a:xfrm>
           <a:prstGeom prst="rect">
             <a:avLst/>
@@ -10412,7 +10412,7 @@
         <p:spPr>
           <a:xfrm>
             <a:off x="4806360" y="2545560"/>
-            <a:ext cx="3711600" cy="2255040"/>
+            <a:ext cx="3711240" cy="2254680"/>
           </a:xfrm>
           <a:prstGeom prst="rect">
             <a:avLst/>
@@ -10464,7 +10464,7 @@
         <p:spPr>
           <a:xfrm>
             <a:off x="583200" y="450720"/>
-            <a:ext cx="7197480" cy="511560"/>
+            <a:ext cx="7197120" cy="511200"/>
           </a:xfrm>
           <a:prstGeom prst="rect">
             <a:avLst/>
@@ -10546,7 +10546,7 @@
         <p:spPr>
           <a:xfrm>
             <a:off x="586440" y="1246680"/>
-            <a:ext cx="4003560" cy="3599280"/>
+            <a:ext cx="4003200" cy="3598920"/>
           </a:xfrm>
           <a:prstGeom prst="rect">
             <a:avLst/>
@@ -10598,7 +10598,7 @@
         <p:spPr>
           <a:xfrm>
             <a:off x="559800" y="446040"/>
-            <a:ext cx="4282920" cy="682920"/>
+            <a:ext cx="4282560" cy="682560"/>
           </a:xfrm>
           <a:prstGeom prst="rect">
             <a:avLst/>
@@ -10650,7 +10650,7 @@
         <p:spPr>
           <a:xfrm>
             <a:off x="5097600" y="360"/>
-            <a:ext cx="4379040" cy="5143320"/>
+            <a:ext cx="4378680" cy="5142960"/>
           </a:xfrm>
           <a:prstGeom prst="roundRect">
             <a:avLst>
@@ -10715,8 +10715,8 @@
         </p:nvSpPr>
         <p:spPr>
           <a:xfrm rot="2744400">
-            <a:off x="-280080" y="-25560"/>
-            <a:ext cx="703800" cy="703440"/>
+            <a:off x="-279720" y="-25560"/>
+            <a:ext cx="703440" cy="703080"/>
           </a:xfrm>
           <a:prstGeom prst="roundRect">
             <a:avLst>
@@ -10753,8 +10753,8 @@
         </p:nvSpPr>
         <p:spPr>
           <a:xfrm rot="2625600">
-            <a:off x="4861080" y="4146480"/>
-            <a:ext cx="467640" cy="467640"/>
+            <a:off x="4861080" y="4146120"/>
+            <a:ext cx="467280" cy="467280"/>
           </a:xfrm>
           <a:prstGeom prst="roundRect">
             <a:avLst>
@@ -10828,8 +10828,8 @@
         </p:nvSpPr>
         <p:spPr>
           <a:xfrm rot="2744400">
-            <a:off x="-349200" y="4539600"/>
-            <a:ext cx="703800" cy="703440"/>
+            <a:off x="-348840" y="4539240"/>
+            <a:ext cx="703440" cy="703080"/>
           </a:xfrm>
           <a:prstGeom prst="roundRect">
             <a:avLst>
@@ -10866,8 +10866,8 @@
         </p:nvSpPr>
         <p:spPr>
           <a:xfrm rot="19228200">
-            <a:off x="5845680" y="-2265840"/>
-            <a:ext cx="4854600" cy="7725600"/>
+            <a:off x="5845680" y="-2265480"/>
+            <a:ext cx="4854240" cy="7725240"/>
           </a:xfrm>
           <a:prstGeom prst="roundRect">
             <a:avLst>
@@ -10905,9 +10905,9 @@
         <p:grpSpPr>
           <a:xfrm>
             <a:off x="4571640" y="828000"/>
-            <a:ext cx="4467600" cy="3563640"/>
+            <a:ext cx="4467240" cy="3563280"/>
             <a:chOff x="4571640" y="828000"/>
-            <a:chExt cx="4467600" cy="3563640"/>
+            <a:chExt cx="4467240" cy="3563280"/>
           </a:xfrm>
         </p:grpSpPr>
         <p:pic>
@@ -10923,7 +10923,7 @@
           <p:spPr>
             <a:xfrm>
               <a:off x="4571640" y="828000"/>
-              <a:ext cx="4467600" cy="3563640"/>
+              <a:ext cx="4467240" cy="3563280"/>
             </a:xfrm>
             <a:prstGeom prst="rect">
               <a:avLst/>
@@ -10941,8 +10941,8 @@
           </p:nvSpPr>
           <p:spPr>
             <a:xfrm rot="16200000">
-              <a:off x="5962680" y="1159560"/>
-              <a:ext cx="1736640" cy="2770560"/>
+              <a:off x="5962680" y="1159920"/>
+              <a:ext cx="1736280" cy="2770200"/>
             </a:xfrm>
             <a:prstGeom prst="roundRect">
               <a:avLst>
@@ -11009,7 +11009,7 @@
         <p:spPr>
           <a:xfrm>
             <a:off x="586440" y="1246680"/>
-            <a:ext cx="4003560" cy="3599280"/>
+            <a:ext cx="4003200" cy="3598920"/>
           </a:xfrm>
           <a:prstGeom prst="rect">
             <a:avLst/>
@@ -11061,7 +11061,7 @@
         <p:spPr>
           <a:xfrm>
             <a:off x="5446080" y="1672200"/>
-            <a:ext cx="2779560" cy="1736640"/>
+            <a:ext cx="2779200" cy="1736280"/>
           </a:xfrm>
           <a:prstGeom prst="rect">
             <a:avLst/>
@@ -11113,7 +11113,7 @@
         <p:spPr>
           <a:xfrm>
             <a:off x="586440" y="453960"/>
-            <a:ext cx="3696120" cy="854640"/>
+            <a:ext cx="3695760" cy="854280"/>
           </a:xfrm>
           <a:prstGeom prst="rect">
             <a:avLst/>
@@ -11202,7 +11202,7 @@
         <p:spPr>
           <a:xfrm>
             <a:off x="4222080" y="1246680"/>
-            <a:ext cx="4114440" cy="3599280"/>
+            <a:ext cx="4114080" cy="3598920"/>
           </a:xfrm>
           <a:prstGeom prst="rect">
             <a:avLst/>
@@ -11253,8 +11253,8 @@
         </p:nvSpPr>
         <p:spPr>
           <a:xfrm rot="16200000">
-            <a:off x="-2181600" y="1734120"/>
-            <a:ext cx="5143320" cy="1683360"/>
+            <a:off x="-2181600" y="1734480"/>
+            <a:ext cx="5142960" cy="1683000"/>
           </a:xfrm>
           <a:prstGeom prst="roundRect">
             <a:avLst>
@@ -11291,8 +11291,8 @@
         </p:nvSpPr>
         <p:spPr>
           <a:xfrm rot="2745000">
-            <a:off x="8575200" y="103320"/>
-            <a:ext cx="1131840" cy="1131480"/>
+            <a:off x="8575200" y="102960"/>
+            <a:ext cx="1131480" cy="1131120"/>
           </a:xfrm>
           <a:prstGeom prst="roundRect">
             <a:avLst>
@@ -11329,8 +11329,8 @@
         </p:nvSpPr>
         <p:spPr>
           <a:xfrm rot="16200000">
-            <a:off x="614880" y="919440"/>
-            <a:ext cx="3231360" cy="3313080"/>
+            <a:off x="614880" y="919800"/>
+            <a:ext cx="3231000" cy="3312720"/>
           </a:xfrm>
           <a:prstGeom prst="roundRect">
             <a:avLst>
@@ -11396,7 +11396,7 @@
         <p:spPr>
           <a:xfrm>
             <a:off x="4214160" y="456120"/>
-            <a:ext cx="4111200" cy="854640"/>
+            <a:ext cx="4110840" cy="854280"/>
           </a:xfrm>
           <a:prstGeom prst="rect">
             <a:avLst/>
@@ -11484,8 +11484,8 @@
         </p:nvSpPr>
         <p:spPr>
           <a:xfrm rot="2744400">
-            <a:off x="-280080" y="-25560"/>
-            <a:ext cx="703800" cy="703440"/>
+            <a:off x="-279720" y="-25560"/>
+            <a:ext cx="703440" cy="703080"/>
           </a:xfrm>
           <a:prstGeom prst="roundRect">
             <a:avLst>
@@ -11523,7 +11523,7 @@
         <p:spPr>
           <a:xfrm rot="2332200">
             <a:off x="6009120" y="-319680"/>
-            <a:ext cx="4854960" cy="7725960"/>
+            <a:ext cx="4854600" cy="7725600"/>
           </a:xfrm>
           <a:prstGeom prst="roundRect">
             <a:avLst>
@@ -11561,9 +11561,9 @@
         <p:grpSpPr>
           <a:xfrm>
             <a:off x="4571640" y="828000"/>
-            <a:ext cx="4467600" cy="3563640"/>
+            <a:ext cx="4467240" cy="3563280"/>
             <a:chOff x="4571640" y="828000"/>
-            <a:chExt cx="4467600" cy="3563640"/>
+            <a:chExt cx="4467240" cy="3563280"/>
           </a:xfrm>
         </p:grpSpPr>
         <p:pic>
@@ -11579,7 +11579,7 @@
           <p:spPr>
             <a:xfrm>
               <a:off x="4571640" y="828000"/>
-              <a:ext cx="4467600" cy="3563640"/>
+              <a:ext cx="4467240" cy="3563280"/>
             </a:xfrm>
             <a:prstGeom prst="rect">
               <a:avLst/>
@@ -11597,8 +11597,8 @@
           </p:nvSpPr>
           <p:spPr>
             <a:xfrm rot="16200000">
-              <a:off x="5962680" y="1159560"/>
-              <a:ext cx="1736640" cy="2770560"/>
+              <a:off x="5962680" y="1159920"/>
+              <a:ext cx="1736280" cy="2770200"/>
             </a:xfrm>
             <a:prstGeom prst="roundRect">
               <a:avLst>
@@ -11665,7 +11665,7 @@
         <p:spPr>
           <a:xfrm>
             <a:off x="5446080" y="1672200"/>
-            <a:ext cx="2770200" cy="1736640"/>
+            <a:ext cx="2769840" cy="1736280"/>
           </a:xfrm>
           <a:prstGeom prst="rect">
             <a:avLst/>
@@ -11717,7 +11717,7 @@
         <p:spPr>
           <a:xfrm>
             <a:off x="586440" y="1246680"/>
-            <a:ext cx="4003560" cy="3599280"/>
+            <a:ext cx="4003200" cy="3598920"/>
           </a:xfrm>
           <a:prstGeom prst="rect">
             <a:avLst/>
@@ -11769,7 +11769,7 @@
         <p:spPr>
           <a:xfrm>
             <a:off x="586440" y="453960"/>
-            <a:ext cx="4763520" cy="854640"/>
+            <a:ext cx="4763160" cy="854280"/>
           </a:xfrm>
           <a:prstGeom prst="rect">
             <a:avLst/>
@@ -11857,8 +11857,8 @@
         </p:nvSpPr>
         <p:spPr>
           <a:xfrm rot="2745600">
-            <a:off x="8349840" y="-668160"/>
-            <a:ext cx="1497600" cy="1497600"/>
+            <a:off x="8349840" y="-667800"/>
+            <a:ext cx="1497240" cy="1497240"/>
           </a:xfrm>
           <a:prstGeom prst="roundRect">
             <a:avLst>
@@ -11896,7 +11896,7 @@
         <p:spPr>
           <a:xfrm rot="2745600">
             <a:off x="7634160" y="-322200"/>
-            <a:ext cx="806400" cy="806760"/>
+            <a:ext cx="806040" cy="806400"/>
           </a:xfrm>
           <a:prstGeom prst="roundRect">
             <a:avLst>
@@ -11935,7 +11935,7 @@
         <p:spPr>
           <a:xfrm>
             <a:off x="586440" y="899640"/>
-            <a:ext cx="7931160" cy="1536480"/>
+            <a:ext cx="7930800" cy="1536120"/>
           </a:xfrm>
           <a:prstGeom prst="rect">
             <a:avLst/>
@@ -11987,7 +11987,7 @@
         <p:spPr>
           <a:xfrm>
             <a:off x="608040" y="2545560"/>
-            <a:ext cx="3711600" cy="2255040"/>
+            <a:ext cx="3711240" cy="2254680"/>
           </a:xfrm>
           <a:prstGeom prst="rect">
             <a:avLst/>
@@ -12039,7 +12039,7 @@
         <p:spPr>
           <a:xfrm>
             <a:off x="4806360" y="2545560"/>
-            <a:ext cx="3711600" cy="2255040"/>
+            <a:ext cx="3711240" cy="2254680"/>
           </a:xfrm>
           <a:prstGeom prst="rect">
             <a:avLst/>
@@ -12091,7 +12091,7 @@
         <p:spPr>
           <a:xfrm>
             <a:off x="583200" y="450720"/>
-            <a:ext cx="7197480" cy="511560"/>
+            <a:ext cx="7197120" cy="511200"/>
           </a:xfrm>
           <a:prstGeom prst="rect">
             <a:avLst/>
@@ -12173,7 +12173,7 @@
         <p:spPr>
           <a:xfrm>
             <a:off x="586440" y="1246680"/>
-            <a:ext cx="4003560" cy="3599280"/>
+            <a:ext cx="4003200" cy="3598920"/>
           </a:xfrm>
           <a:prstGeom prst="rect">
             <a:avLst/>
@@ -12225,7 +12225,7 @@
         <p:spPr>
           <a:xfrm>
             <a:off x="559800" y="446040"/>
-            <a:ext cx="4282920" cy="682920"/>
+            <a:ext cx="4282560" cy="682560"/>
           </a:xfrm>
           <a:prstGeom prst="rect">
             <a:avLst/>
@@ -12277,7 +12277,7 @@
         <p:spPr>
           <a:xfrm>
             <a:off x="5097600" y="360"/>
-            <a:ext cx="4379040" cy="5143320"/>
+            <a:ext cx="4378680" cy="5142960"/>
           </a:xfrm>
           <a:prstGeom prst="roundRect">
             <a:avLst>
@@ -12342,8 +12342,8 @@
         </p:nvSpPr>
         <p:spPr>
           <a:xfrm rot="2744400">
-            <a:off x="-280080" y="-25560"/>
-            <a:ext cx="703800" cy="703440"/>
+            <a:off x="-279720" y="-25560"/>
+            <a:ext cx="703440" cy="703080"/>
           </a:xfrm>
           <a:prstGeom prst="roundRect">
             <a:avLst>
@@ -12380,8 +12380,8 @@
         </p:nvSpPr>
         <p:spPr>
           <a:xfrm rot="2625600">
-            <a:off x="4861080" y="4146480"/>
-            <a:ext cx="467640" cy="467640"/>
+            <a:off x="4861080" y="4146120"/>
+            <a:ext cx="467280" cy="467280"/>
           </a:xfrm>
           <a:prstGeom prst="roundRect">
             <a:avLst>
@@ -12455,8 +12455,8 @@
         </p:nvSpPr>
         <p:spPr>
           <a:xfrm rot="2744400">
-            <a:off x="-349200" y="4539600"/>
-            <a:ext cx="703800" cy="703440"/>
+            <a:off x="-348840" y="4539240"/>
+            <a:ext cx="703440" cy="703080"/>
           </a:xfrm>
           <a:prstGeom prst="roundRect">
             <a:avLst>
@@ -12493,8 +12493,8 @@
         </p:nvSpPr>
         <p:spPr>
           <a:xfrm rot="19228200">
-            <a:off x="5845680" y="-2265840"/>
-            <a:ext cx="4854600" cy="7725600"/>
+            <a:off x="5845680" y="-2265480"/>
+            <a:ext cx="4854240" cy="7725240"/>
           </a:xfrm>
           <a:prstGeom prst="roundRect">
             <a:avLst>
@@ -12532,9 +12532,9 @@
         <p:grpSpPr>
           <a:xfrm>
             <a:off x="4571640" y="828000"/>
-            <a:ext cx="4467600" cy="3563640"/>
+            <a:ext cx="4467240" cy="3563280"/>
             <a:chOff x="4571640" y="828000"/>
-            <a:chExt cx="4467600" cy="3563640"/>
+            <a:chExt cx="4467240" cy="3563280"/>
           </a:xfrm>
         </p:grpSpPr>
         <p:pic>
@@ -12550,7 +12550,7 @@
           <p:spPr>
             <a:xfrm>
               <a:off x="4571640" y="828000"/>
-              <a:ext cx="4467600" cy="3563640"/>
+              <a:ext cx="4467240" cy="3563280"/>
             </a:xfrm>
             <a:prstGeom prst="rect">
               <a:avLst/>
@@ -12568,8 +12568,8 @@
           </p:nvSpPr>
           <p:spPr>
             <a:xfrm rot="16200000">
-              <a:off x="5962680" y="1159560"/>
-              <a:ext cx="1736640" cy="2770560"/>
+              <a:off x="5962680" y="1159920"/>
+              <a:ext cx="1736280" cy="2770200"/>
             </a:xfrm>
             <a:prstGeom prst="roundRect">
               <a:avLst>
@@ -12636,7 +12636,7 @@
         <p:spPr>
           <a:xfrm>
             <a:off x="586440" y="1246680"/>
-            <a:ext cx="4003560" cy="3599280"/>
+            <a:ext cx="4003200" cy="3598920"/>
           </a:xfrm>
           <a:prstGeom prst="rect">
             <a:avLst/>
@@ -12688,7 +12688,7 @@
         <p:spPr>
           <a:xfrm>
             <a:off x="5446080" y="1672200"/>
-            <a:ext cx="2779560" cy="1736640"/>
+            <a:ext cx="2779200" cy="1736280"/>
           </a:xfrm>
           <a:prstGeom prst="rect">
             <a:avLst/>
@@ -12740,7 +12740,7 @@
         <p:spPr>
           <a:xfrm>
             <a:off x="586440" y="453960"/>
-            <a:ext cx="3696120" cy="854640"/>
+            <a:ext cx="3695760" cy="854280"/>
           </a:xfrm>
           <a:prstGeom prst="rect">
             <a:avLst/>
@@ -12829,7 +12829,7 @@
         <p:spPr>
           <a:xfrm>
             <a:off x="4222080" y="1246680"/>
-            <a:ext cx="4114440" cy="3599280"/>
+            <a:ext cx="4114080" cy="3598920"/>
           </a:xfrm>
           <a:prstGeom prst="rect">
             <a:avLst/>
@@ -12880,8 +12880,8 @@
         </p:nvSpPr>
         <p:spPr>
           <a:xfrm rot="16200000">
-            <a:off x="-2181600" y="1734120"/>
-            <a:ext cx="5143320" cy="1683360"/>
+            <a:off x="-2181600" y="1734480"/>
+            <a:ext cx="5142960" cy="1683000"/>
           </a:xfrm>
           <a:prstGeom prst="roundRect">
             <a:avLst>
@@ -12918,8 +12918,8 @@
         </p:nvSpPr>
         <p:spPr>
           <a:xfrm rot="2745000">
-            <a:off x="8575200" y="103320"/>
-            <a:ext cx="1131840" cy="1131480"/>
+            <a:off x="8575200" y="102960"/>
+            <a:ext cx="1131480" cy="1131120"/>
           </a:xfrm>
           <a:prstGeom prst="roundRect">
             <a:avLst>
@@ -12956,8 +12956,8 @@
         </p:nvSpPr>
         <p:spPr>
           <a:xfrm rot="16200000">
-            <a:off x="614880" y="919440"/>
-            <a:ext cx="3231360" cy="3313080"/>
+            <a:off x="614880" y="919800"/>
+            <a:ext cx="3231000" cy="3312720"/>
           </a:xfrm>
           <a:prstGeom prst="roundRect">
             <a:avLst>
@@ -13023,7 +13023,7 @@
         <p:spPr>
           <a:xfrm>
             <a:off x="4214160" y="456120"/>
-            <a:ext cx="4111200" cy="854640"/>
+            <a:ext cx="4110840" cy="854280"/>
           </a:xfrm>
           <a:prstGeom prst="rect">
             <a:avLst/>
@@ -13105,7 +13105,7 @@
         <p:spPr>
           <a:xfrm>
             <a:off x="586440" y="1246680"/>
-            <a:ext cx="4003560" cy="3599280"/>
+            <a:ext cx="4003200" cy="3598920"/>
           </a:xfrm>
           <a:prstGeom prst="rect">
             <a:avLst/>
@@ -13157,7 +13157,7 @@
         <p:spPr>
           <a:xfrm>
             <a:off x="559800" y="446040"/>
-            <a:ext cx="4282920" cy="682920"/>
+            <a:ext cx="4282560" cy="682560"/>
           </a:xfrm>
           <a:prstGeom prst="rect">
             <a:avLst/>
@@ -13209,7 +13209,7 @@
         <p:spPr>
           <a:xfrm>
             <a:off x="5097600" y="360"/>
-            <a:ext cx="4379040" cy="5143320"/>
+            <a:ext cx="4378680" cy="5142960"/>
           </a:xfrm>
           <a:prstGeom prst="roundRect">
             <a:avLst>
@@ -13274,8 +13274,8 @@
         </p:nvSpPr>
         <p:spPr>
           <a:xfrm rot="2744400">
-            <a:off x="-280080" y="-25560"/>
-            <a:ext cx="703800" cy="703440"/>
+            <a:off x="-279720" y="-25560"/>
+            <a:ext cx="703440" cy="703080"/>
           </a:xfrm>
           <a:prstGeom prst="roundRect">
             <a:avLst>
@@ -13312,8 +13312,8 @@
         </p:nvSpPr>
         <p:spPr>
           <a:xfrm rot="2625600">
-            <a:off x="4861080" y="4146480"/>
-            <a:ext cx="467640" cy="467640"/>
+            <a:off x="4861080" y="4146120"/>
+            <a:ext cx="467280" cy="467280"/>
           </a:xfrm>
           <a:prstGeom prst="roundRect">
             <a:avLst>
@@ -13387,8 +13387,8 @@
         </p:nvSpPr>
         <p:spPr>
           <a:xfrm rot="2744400">
-            <a:off x="-280080" y="-25560"/>
-            <a:ext cx="703800" cy="703440"/>
+            <a:off x="-279720" y="-25560"/>
+            <a:ext cx="703440" cy="703080"/>
           </a:xfrm>
           <a:prstGeom prst="roundRect">
             <a:avLst>
@@ -13426,7 +13426,7 @@
         <p:spPr>
           <a:xfrm rot="2332200">
             <a:off x="6009120" y="-319680"/>
-            <a:ext cx="4854960" cy="7725960"/>
+            <a:ext cx="4854600" cy="7725600"/>
           </a:xfrm>
           <a:prstGeom prst="roundRect">
             <a:avLst>
@@ -13464,9 +13464,9 @@
         <p:grpSpPr>
           <a:xfrm>
             <a:off x="4571640" y="828000"/>
-            <a:ext cx="4467600" cy="3563640"/>
+            <a:ext cx="4467240" cy="3563280"/>
             <a:chOff x="4571640" y="828000"/>
-            <a:chExt cx="4467600" cy="3563640"/>
+            <a:chExt cx="4467240" cy="3563280"/>
           </a:xfrm>
         </p:grpSpPr>
         <p:pic>
@@ -13482,7 +13482,7 @@
           <p:spPr>
             <a:xfrm>
               <a:off x="4571640" y="828000"/>
-              <a:ext cx="4467600" cy="3563640"/>
+              <a:ext cx="4467240" cy="3563280"/>
             </a:xfrm>
             <a:prstGeom prst="rect">
               <a:avLst/>
@@ -13500,8 +13500,8 @@
           </p:nvSpPr>
           <p:spPr>
             <a:xfrm rot="16200000">
-              <a:off x="5962680" y="1159560"/>
-              <a:ext cx="1736640" cy="2770560"/>
+              <a:off x="5962680" y="1159920"/>
+              <a:ext cx="1736280" cy="2770200"/>
             </a:xfrm>
             <a:prstGeom prst="roundRect">
               <a:avLst>
@@ -13568,7 +13568,7 @@
         <p:spPr>
           <a:xfrm>
             <a:off x="5446080" y="1672200"/>
-            <a:ext cx="2770200" cy="1736640"/>
+            <a:ext cx="2769840" cy="1736280"/>
           </a:xfrm>
           <a:prstGeom prst="rect">
             <a:avLst/>
@@ -13620,7 +13620,7 @@
         <p:spPr>
           <a:xfrm>
             <a:off x="586440" y="1246680"/>
-            <a:ext cx="4003560" cy="3599280"/>
+            <a:ext cx="4003200" cy="3598920"/>
           </a:xfrm>
           <a:prstGeom prst="rect">
             <a:avLst/>
@@ -13672,7 +13672,7 @@
         <p:spPr>
           <a:xfrm>
             <a:off x="586440" y="453960"/>
-            <a:ext cx="4763520" cy="854640"/>
+            <a:ext cx="4763160" cy="854280"/>
           </a:xfrm>
           <a:prstGeom prst="rect">
             <a:avLst/>
@@ -13760,8 +13760,8 @@
         </p:nvSpPr>
         <p:spPr>
           <a:xfrm rot="2745600">
-            <a:off x="8349840" y="-668160"/>
-            <a:ext cx="1497600" cy="1497600"/>
+            <a:off x="8349840" y="-667800"/>
+            <a:ext cx="1497240" cy="1497240"/>
           </a:xfrm>
           <a:prstGeom prst="roundRect">
             <a:avLst>
@@ -13799,7 +13799,7 @@
         <p:spPr>
           <a:xfrm rot="2745600">
             <a:off x="7634160" y="-322200"/>
-            <a:ext cx="806400" cy="806760"/>
+            <a:ext cx="806040" cy="806400"/>
           </a:xfrm>
           <a:prstGeom prst="roundRect">
             <a:avLst>
@@ -13838,7 +13838,7 @@
         <p:spPr>
           <a:xfrm>
             <a:off x="586440" y="899640"/>
-            <a:ext cx="7931160" cy="1536480"/>
+            <a:ext cx="7930800" cy="1536120"/>
           </a:xfrm>
           <a:prstGeom prst="rect">
             <a:avLst/>
@@ -13890,7 +13890,7 @@
         <p:spPr>
           <a:xfrm>
             <a:off x="608040" y="2545560"/>
-            <a:ext cx="3711600" cy="2255040"/>
+            <a:ext cx="3711240" cy="2254680"/>
           </a:xfrm>
           <a:prstGeom prst="rect">
             <a:avLst/>
@@ -13942,7 +13942,7 @@
         <p:spPr>
           <a:xfrm>
             <a:off x="4806360" y="2545560"/>
-            <a:ext cx="3711600" cy="2255040"/>
+            <a:ext cx="3711240" cy="2254680"/>
           </a:xfrm>
           <a:prstGeom prst="rect">
             <a:avLst/>
@@ -13994,7 +13994,7 @@
         <p:spPr>
           <a:xfrm>
             <a:off x="583200" y="450720"/>
-            <a:ext cx="7197480" cy="511560"/>
+            <a:ext cx="7197120" cy="511200"/>
           </a:xfrm>
           <a:prstGeom prst="rect">
             <a:avLst/>
@@ -14076,7 +14076,7 @@
         <p:spPr>
           <a:xfrm>
             <a:off x="586440" y="1246680"/>
-            <a:ext cx="4003560" cy="3599280"/>
+            <a:ext cx="4003200" cy="3598920"/>
           </a:xfrm>
           <a:prstGeom prst="rect">
             <a:avLst/>
@@ -14128,7 +14128,7 @@
         <p:spPr>
           <a:xfrm>
             <a:off x="559800" y="446040"/>
-            <a:ext cx="4282920" cy="682920"/>
+            <a:ext cx="4282560" cy="682560"/>
           </a:xfrm>
           <a:prstGeom prst="rect">
             <a:avLst/>
@@ -14180,7 +14180,7 @@
         <p:spPr>
           <a:xfrm>
             <a:off x="5097600" y="360"/>
-            <a:ext cx="4379040" cy="5143320"/>
+            <a:ext cx="4378680" cy="5142960"/>
           </a:xfrm>
           <a:prstGeom prst="roundRect">
             <a:avLst>
@@ -14245,8 +14245,8 @@
         </p:nvSpPr>
         <p:spPr>
           <a:xfrm rot="2744400">
-            <a:off x="-280080" y="-25560"/>
-            <a:ext cx="703800" cy="703440"/>
+            <a:off x="-279720" y="-25560"/>
+            <a:ext cx="703440" cy="703080"/>
           </a:xfrm>
           <a:prstGeom prst="roundRect">
             <a:avLst>
@@ -14283,8 +14283,8 @@
         </p:nvSpPr>
         <p:spPr>
           <a:xfrm rot="2625600">
-            <a:off x="4861080" y="4146480"/>
-            <a:ext cx="467640" cy="467640"/>
+            <a:off x="4861080" y="4146120"/>
+            <a:ext cx="467280" cy="467280"/>
           </a:xfrm>
           <a:prstGeom prst="roundRect">
             <a:avLst>
@@ -14358,8 +14358,8 @@
         </p:nvSpPr>
         <p:spPr>
           <a:xfrm rot="2744400">
-            <a:off x="-349200" y="4539600"/>
-            <a:ext cx="703800" cy="703440"/>
+            <a:off x="-348840" y="4539240"/>
+            <a:ext cx="703440" cy="703080"/>
           </a:xfrm>
           <a:prstGeom prst="roundRect">
             <a:avLst>
@@ -14396,8 +14396,8 @@
         </p:nvSpPr>
         <p:spPr>
           <a:xfrm rot="19228200">
-            <a:off x="5845680" y="-2265840"/>
-            <a:ext cx="4854600" cy="7725600"/>
+            <a:off x="5845680" y="-2265480"/>
+            <a:ext cx="4854240" cy="7725240"/>
           </a:xfrm>
           <a:prstGeom prst="roundRect">
             <a:avLst>
@@ -14435,9 +14435,9 @@
         <p:grpSpPr>
           <a:xfrm>
             <a:off x="4571640" y="828000"/>
-            <a:ext cx="4467600" cy="3563640"/>
+            <a:ext cx="4467240" cy="3563280"/>
             <a:chOff x="4571640" y="828000"/>
-            <a:chExt cx="4467600" cy="3563640"/>
+            <a:chExt cx="4467240" cy="3563280"/>
           </a:xfrm>
         </p:grpSpPr>
         <p:pic>
@@ -14453,7 +14453,7 @@
           <p:spPr>
             <a:xfrm>
               <a:off x="4571640" y="828000"/>
-              <a:ext cx="4467600" cy="3563640"/>
+              <a:ext cx="4467240" cy="3563280"/>
             </a:xfrm>
             <a:prstGeom prst="rect">
               <a:avLst/>
@@ -14471,8 +14471,8 @@
           </p:nvSpPr>
           <p:spPr>
             <a:xfrm rot="16200000">
-              <a:off x="5962680" y="1159560"/>
-              <a:ext cx="1736640" cy="2770560"/>
+              <a:off x="5962680" y="1159920"/>
+              <a:ext cx="1736280" cy="2770200"/>
             </a:xfrm>
             <a:prstGeom prst="roundRect">
               <a:avLst>
@@ -14539,7 +14539,7 @@
         <p:spPr>
           <a:xfrm>
             <a:off x="586440" y="1246680"/>
-            <a:ext cx="4003560" cy="3599280"/>
+            <a:ext cx="4003200" cy="3598920"/>
           </a:xfrm>
           <a:prstGeom prst="rect">
             <a:avLst/>
@@ -14591,7 +14591,7 @@
         <p:spPr>
           <a:xfrm>
             <a:off x="5446080" y="1672200"/>
-            <a:ext cx="2779560" cy="1736640"/>
+            <a:ext cx="2779200" cy="1736280"/>
           </a:xfrm>
           <a:prstGeom prst="rect">
             <a:avLst/>
@@ -14643,7 +14643,7 @@
         <p:spPr>
           <a:xfrm>
             <a:off x="586440" y="453960"/>
-            <a:ext cx="3696120" cy="854640"/>
+            <a:ext cx="3695760" cy="854280"/>
           </a:xfrm>
           <a:prstGeom prst="rect">
             <a:avLst/>
@@ -14732,7 +14732,7 @@
         <p:spPr>
           <a:xfrm>
             <a:off x="4222080" y="1246680"/>
-            <a:ext cx="4114440" cy="3599280"/>
+            <a:ext cx="4114080" cy="3598920"/>
           </a:xfrm>
           <a:prstGeom prst="rect">
             <a:avLst/>
@@ -14783,8 +14783,8 @@
         </p:nvSpPr>
         <p:spPr>
           <a:xfrm rot="16200000">
-            <a:off x="-2181600" y="1734120"/>
-            <a:ext cx="5143320" cy="1683360"/>
+            <a:off x="-2181600" y="1734480"/>
+            <a:ext cx="5142960" cy="1683000"/>
           </a:xfrm>
           <a:prstGeom prst="roundRect">
             <a:avLst>
@@ -14821,8 +14821,8 @@
         </p:nvSpPr>
         <p:spPr>
           <a:xfrm rot="2745000">
-            <a:off x="8575200" y="103320"/>
-            <a:ext cx="1131840" cy="1131480"/>
+            <a:off x="8575200" y="102960"/>
+            <a:ext cx="1131480" cy="1131120"/>
           </a:xfrm>
           <a:prstGeom prst="roundRect">
             <a:avLst>
@@ -14859,8 +14859,8 @@
         </p:nvSpPr>
         <p:spPr>
           <a:xfrm rot="16200000">
-            <a:off x="614880" y="919440"/>
-            <a:ext cx="3231360" cy="3313080"/>
+            <a:off x="614880" y="919800"/>
+            <a:ext cx="3231000" cy="3312720"/>
           </a:xfrm>
           <a:prstGeom prst="roundRect">
             <a:avLst>
@@ -14926,7 +14926,7 @@
         <p:spPr>
           <a:xfrm>
             <a:off x="4214160" y="456120"/>
-            <a:ext cx="4111200" cy="854640"/>
+            <a:ext cx="4110840" cy="854280"/>
           </a:xfrm>
           <a:prstGeom prst="rect">
             <a:avLst/>
@@ -15014,8 +15014,8 @@
         </p:nvSpPr>
         <p:spPr>
           <a:xfrm rot="2744400">
-            <a:off x="-280080" y="-25560"/>
-            <a:ext cx="703800" cy="703440"/>
+            <a:off x="-279720" y="-25560"/>
+            <a:ext cx="703440" cy="703080"/>
           </a:xfrm>
           <a:prstGeom prst="roundRect">
             <a:avLst>
@@ -15053,7 +15053,7 @@
         <p:spPr>
           <a:xfrm rot="2332200">
             <a:off x="6009120" y="-319680"/>
-            <a:ext cx="4854960" cy="7725960"/>
+            <a:ext cx="4854600" cy="7725600"/>
           </a:xfrm>
           <a:prstGeom prst="roundRect">
             <a:avLst>
@@ -15091,9 +15091,9 @@
         <p:grpSpPr>
           <a:xfrm>
             <a:off x="4571640" y="828000"/>
-            <a:ext cx="4467600" cy="3563640"/>
+            <a:ext cx="4467240" cy="3563280"/>
             <a:chOff x="4571640" y="828000"/>
-            <a:chExt cx="4467600" cy="3563640"/>
+            <a:chExt cx="4467240" cy="3563280"/>
           </a:xfrm>
         </p:grpSpPr>
         <p:pic>
@@ -15109,7 +15109,7 @@
           <p:spPr>
             <a:xfrm>
               <a:off x="4571640" y="828000"/>
-              <a:ext cx="4467600" cy="3563640"/>
+              <a:ext cx="4467240" cy="3563280"/>
             </a:xfrm>
             <a:prstGeom prst="rect">
               <a:avLst/>
@@ -15127,8 +15127,8 @@
           </p:nvSpPr>
           <p:spPr>
             <a:xfrm rot="16200000">
-              <a:off x="5962680" y="1159560"/>
-              <a:ext cx="1736640" cy="2770560"/>
+              <a:off x="5962680" y="1159920"/>
+              <a:ext cx="1736280" cy="2770200"/>
             </a:xfrm>
             <a:prstGeom prst="roundRect">
               <a:avLst>
@@ -15195,7 +15195,7 @@
         <p:spPr>
           <a:xfrm>
             <a:off x="5446080" y="1672200"/>
-            <a:ext cx="2770200" cy="1736640"/>
+            <a:ext cx="2769840" cy="1736280"/>
           </a:xfrm>
           <a:prstGeom prst="rect">
             <a:avLst/>
@@ -15247,7 +15247,7 @@
         <p:spPr>
           <a:xfrm>
             <a:off x="586440" y="1246680"/>
-            <a:ext cx="4003560" cy="3599280"/>
+            <a:ext cx="4003200" cy="3598920"/>
           </a:xfrm>
           <a:prstGeom prst="rect">
             <a:avLst/>
@@ -15299,7 +15299,7 @@
         <p:spPr>
           <a:xfrm>
             <a:off x="586440" y="453960"/>
-            <a:ext cx="4763520" cy="854640"/>
+            <a:ext cx="4763160" cy="854280"/>
           </a:xfrm>
           <a:prstGeom prst="rect">
             <a:avLst/>
@@ -15387,8 +15387,8 @@
         </p:nvSpPr>
         <p:spPr>
           <a:xfrm rot="2745600">
-            <a:off x="8349840" y="-668160"/>
-            <a:ext cx="1497600" cy="1497600"/>
+            <a:off x="8349840" y="-667800"/>
+            <a:ext cx="1497240" cy="1497240"/>
           </a:xfrm>
           <a:prstGeom prst="roundRect">
             <a:avLst>
@@ -15426,7 +15426,7 @@
         <p:spPr>
           <a:xfrm rot="2745600">
             <a:off x="7634160" y="-322200"/>
-            <a:ext cx="806400" cy="806760"/>
+            <a:ext cx="806040" cy="806400"/>
           </a:xfrm>
           <a:prstGeom prst="roundRect">
             <a:avLst>
@@ -15465,7 +15465,7 @@
         <p:spPr>
           <a:xfrm>
             <a:off x="586440" y="899640"/>
-            <a:ext cx="7931160" cy="1536480"/>
+            <a:ext cx="7930800" cy="1536120"/>
           </a:xfrm>
           <a:prstGeom prst="rect">
             <a:avLst/>
@@ -15517,7 +15517,7 @@
         <p:spPr>
           <a:xfrm>
             <a:off x="608040" y="2545560"/>
-            <a:ext cx="3711600" cy="2255040"/>
+            <a:ext cx="3711240" cy="2254680"/>
           </a:xfrm>
           <a:prstGeom prst="rect">
             <a:avLst/>
@@ -15569,7 +15569,7 @@
         <p:spPr>
           <a:xfrm>
             <a:off x="4806360" y="2545560"/>
-            <a:ext cx="3711600" cy="2255040"/>
+            <a:ext cx="3711240" cy="2254680"/>
           </a:xfrm>
           <a:prstGeom prst="rect">
             <a:avLst/>
@@ -15621,7 +15621,7 @@
         <p:spPr>
           <a:xfrm>
             <a:off x="583200" y="450720"/>
-            <a:ext cx="7197480" cy="511560"/>
+            <a:ext cx="7197120" cy="511200"/>
           </a:xfrm>
           <a:prstGeom prst="rect">
             <a:avLst/>
@@ -15703,7 +15703,7 @@
         <p:spPr>
           <a:xfrm>
             <a:off x="586440" y="1246680"/>
-            <a:ext cx="4003560" cy="3599280"/>
+            <a:ext cx="4003200" cy="3598920"/>
           </a:xfrm>
           <a:prstGeom prst="rect">
             <a:avLst/>
@@ -15755,7 +15755,7 @@
         <p:spPr>
           <a:xfrm>
             <a:off x="559800" y="446040"/>
-            <a:ext cx="4282920" cy="682920"/>
+            <a:ext cx="4282560" cy="682560"/>
           </a:xfrm>
           <a:prstGeom prst="rect">
             <a:avLst/>
@@ -15807,7 +15807,7 @@
         <p:spPr>
           <a:xfrm>
             <a:off x="5097600" y="360"/>
-            <a:ext cx="4379040" cy="5143320"/>
+            <a:ext cx="4378680" cy="5142960"/>
           </a:xfrm>
           <a:prstGeom prst="roundRect">
             <a:avLst>
@@ -15872,8 +15872,8 @@
         </p:nvSpPr>
         <p:spPr>
           <a:xfrm rot="2744400">
-            <a:off x="-280080" y="-25560"/>
-            <a:ext cx="703800" cy="703440"/>
+            <a:off x="-279720" y="-25560"/>
+            <a:ext cx="703440" cy="703080"/>
           </a:xfrm>
           <a:prstGeom prst="roundRect">
             <a:avLst>
@@ -15910,8 +15910,8 @@
         </p:nvSpPr>
         <p:spPr>
           <a:xfrm rot="2625600">
-            <a:off x="4861080" y="4146480"/>
-            <a:ext cx="467640" cy="467640"/>
+            <a:off x="4861080" y="4146120"/>
+            <a:ext cx="467280" cy="467280"/>
           </a:xfrm>
           <a:prstGeom prst="roundRect">
             <a:avLst>
@@ -15985,8 +15985,8 @@
         </p:nvSpPr>
         <p:spPr>
           <a:xfrm rot="2744400">
-            <a:off x="-349200" y="4539600"/>
-            <a:ext cx="703800" cy="703440"/>
+            <a:off x="-348840" y="4539240"/>
+            <a:ext cx="703440" cy="703080"/>
           </a:xfrm>
           <a:prstGeom prst="roundRect">
             <a:avLst>
@@ -16023,8 +16023,8 @@
         </p:nvSpPr>
         <p:spPr>
           <a:xfrm rot="19228200">
-            <a:off x="5845680" y="-2265840"/>
-            <a:ext cx="4854600" cy="7725600"/>
+            <a:off x="5845680" y="-2265480"/>
+            <a:ext cx="4854240" cy="7725240"/>
           </a:xfrm>
           <a:prstGeom prst="roundRect">
             <a:avLst>
@@ -16062,9 +16062,9 @@
         <p:grpSpPr>
           <a:xfrm>
             <a:off x="4571640" y="828000"/>
-            <a:ext cx="4467600" cy="3563640"/>
+            <a:ext cx="4467240" cy="3563280"/>
             <a:chOff x="4571640" y="828000"/>
-            <a:chExt cx="4467600" cy="3563640"/>
+            <a:chExt cx="4467240" cy="3563280"/>
           </a:xfrm>
         </p:grpSpPr>
         <p:pic>
@@ -16080,7 +16080,7 @@
           <p:spPr>
             <a:xfrm>
               <a:off x="4571640" y="828000"/>
-              <a:ext cx="4467600" cy="3563640"/>
+              <a:ext cx="4467240" cy="3563280"/>
             </a:xfrm>
             <a:prstGeom prst="rect">
               <a:avLst/>
@@ -16098,8 +16098,8 @@
           </p:nvSpPr>
           <p:spPr>
             <a:xfrm rot="16200000">
-              <a:off x="5962680" y="1159560"/>
-              <a:ext cx="1736640" cy="2770560"/>
+              <a:off x="5962680" y="1159920"/>
+              <a:ext cx="1736280" cy="2770200"/>
             </a:xfrm>
             <a:prstGeom prst="roundRect">
               <a:avLst>
@@ -16166,7 +16166,7 @@
         <p:spPr>
           <a:xfrm>
             <a:off x="586440" y="1246680"/>
-            <a:ext cx="4003560" cy="3599280"/>
+            <a:ext cx="4003200" cy="3598920"/>
           </a:xfrm>
           <a:prstGeom prst="rect">
             <a:avLst/>
@@ -16218,7 +16218,7 @@
         <p:spPr>
           <a:xfrm>
             <a:off x="5446080" y="1672200"/>
-            <a:ext cx="2779560" cy="1736640"/>
+            <a:ext cx="2779200" cy="1736280"/>
           </a:xfrm>
           <a:prstGeom prst="rect">
             <a:avLst/>
@@ -16270,7 +16270,7 @@
         <p:spPr>
           <a:xfrm>
             <a:off x="586440" y="453960"/>
-            <a:ext cx="3696120" cy="854640"/>
+            <a:ext cx="3695760" cy="854280"/>
           </a:xfrm>
           <a:prstGeom prst="rect">
             <a:avLst/>
@@ -16359,7 +16359,7 @@
         <p:spPr>
           <a:xfrm>
             <a:off x="4222080" y="1246680"/>
-            <a:ext cx="4114440" cy="3599280"/>
+            <a:ext cx="4114080" cy="3598920"/>
           </a:xfrm>
           <a:prstGeom prst="rect">
             <a:avLst/>
@@ -16410,8 +16410,8 @@
         </p:nvSpPr>
         <p:spPr>
           <a:xfrm rot="16200000">
-            <a:off x="-2181600" y="1734120"/>
-            <a:ext cx="5143320" cy="1683360"/>
+            <a:off x="-2181600" y="1734480"/>
+            <a:ext cx="5142960" cy="1683000"/>
           </a:xfrm>
           <a:prstGeom prst="roundRect">
             <a:avLst>
@@ -16448,8 +16448,8 @@
         </p:nvSpPr>
         <p:spPr>
           <a:xfrm rot="2745000">
-            <a:off x="8575200" y="103320"/>
-            <a:ext cx="1131840" cy="1131480"/>
+            <a:off x="8575200" y="102960"/>
+            <a:ext cx="1131480" cy="1131120"/>
           </a:xfrm>
           <a:prstGeom prst="roundRect">
             <a:avLst>
@@ -16486,8 +16486,8 @@
         </p:nvSpPr>
         <p:spPr>
           <a:xfrm rot="16200000">
-            <a:off x="614880" y="919440"/>
-            <a:ext cx="3231360" cy="3313080"/>
+            <a:off x="614880" y="919800"/>
+            <a:ext cx="3231000" cy="3312720"/>
           </a:xfrm>
           <a:prstGeom prst="roundRect">
             <a:avLst>
@@ -16553,7 +16553,7 @@
         <p:spPr>
           <a:xfrm>
             <a:off x="4214160" y="456120"/>
-            <a:ext cx="4111200" cy="854640"/>
+            <a:ext cx="4110840" cy="854280"/>
           </a:xfrm>
           <a:prstGeom prst="rect">
             <a:avLst/>
@@ -16641,8 +16641,8 @@
         </p:nvSpPr>
         <p:spPr>
           <a:xfrm rot="2744400">
-            <a:off x="-349200" y="4539600"/>
-            <a:ext cx="703800" cy="703440"/>
+            <a:off x="-348840" y="4539240"/>
+            <a:ext cx="703440" cy="703080"/>
           </a:xfrm>
           <a:prstGeom prst="roundRect">
             <a:avLst>
@@ -16679,8 +16679,8 @@
         </p:nvSpPr>
         <p:spPr>
           <a:xfrm rot="19228200">
-            <a:off x="5845680" y="-2265840"/>
-            <a:ext cx="4854600" cy="7725600"/>
+            <a:off x="5845680" y="-2265480"/>
+            <a:ext cx="4854240" cy="7725240"/>
           </a:xfrm>
           <a:prstGeom prst="roundRect">
             <a:avLst>
@@ -16718,9 +16718,9 @@
         <p:grpSpPr>
           <a:xfrm>
             <a:off x="4571640" y="828000"/>
-            <a:ext cx="4467600" cy="3563640"/>
+            <a:ext cx="4467240" cy="3563280"/>
             <a:chOff x="4571640" y="828000"/>
-            <a:chExt cx="4467600" cy="3563640"/>
+            <a:chExt cx="4467240" cy="3563280"/>
           </a:xfrm>
         </p:grpSpPr>
         <p:pic>
@@ -16736,7 +16736,7 @@
           <p:spPr>
             <a:xfrm>
               <a:off x="4571640" y="828000"/>
-              <a:ext cx="4467600" cy="3563640"/>
+              <a:ext cx="4467240" cy="3563280"/>
             </a:xfrm>
             <a:prstGeom prst="rect">
               <a:avLst/>
@@ -16754,8 +16754,8 @@
           </p:nvSpPr>
           <p:spPr>
             <a:xfrm rot="16200000">
-              <a:off x="5962680" y="1159560"/>
-              <a:ext cx="1736640" cy="2770560"/>
+              <a:off x="5962680" y="1159920"/>
+              <a:ext cx="1736280" cy="2770200"/>
             </a:xfrm>
             <a:prstGeom prst="roundRect">
               <a:avLst>
@@ -16822,7 +16822,7 @@
         <p:spPr>
           <a:xfrm>
             <a:off x="586440" y="1246680"/>
-            <a:ext cx="4003560" cy="3599280"/>
+            <a:ext cx="4003200" cy="3598920"/>
           </a:xfrm>
           <a:prstGeom prst="rect">
             <a:avLst/>
@@ -16874,7 +16874,7 @@
         <p:spPr>
           <a:xfrm>
             <a:off x="5446080" y="1672200"/>
-            <a:ext cx="2779560" cy="1736640"/>
+            <a:ext cx="2779200" cy="1736280"/>
           </a:xfrm>
           <a:prstGeom prst="rect">
             <a:avLst/>
@@ -16926,7 +16926,7 @@
         <p:spPr>
           <a:xfrm>
             <a:off x="586440" y="453960"/>
-            <a:ext cx="3696120" cy="854640"/>
+            <a:ext cx="3695760" cy="854280"/>
           </a:xfrm>
           <a:prstGeom prst="rect">
             <a:avLst/>
@@ -17014,8 +17014,8 @@
         </p:nvSpPr>
         <p:spPr>
           <a:xfrm rot="2744400">
-            <a:off x="-280080" y="-25560"/>
-            <a:ext cx="703800" cy="703440"/>
+            <a:off x="-279720" y="-25560"/>
+            <a:ext cx="703440" cy="703080"/>
           </a:xfrm>
           <a:prstGeom prst="roundRect">
             <a:avLst>
@@ -17053,7 +17053,7 @@
         <p:spPr>
           <a:xfrm rot="2332200">
             <a:off x="6009120" y="-319680"/>
-            <a:ext cx="4854960" cy="7725960"/>
+            <a:ext cx="4854600" cy="7725600"/>
           </a:xfrm>
           <a:prstGeom prst="roundRect">
             <a:avLst>
@@ -17091,9 +17091,9 @@
         <p:grpSpPr>
           <a:xfrm>
             <a:off x="4571640" y="828000"/>
-            <a:ext cx="4467600" cy="3563640"/>
+            <a:ext cx="4467240" cy="3563280"/>
             <a:chOff x="4571640" y="828000"/>
-            <a:chExt cx="4467600" cy="3563640"/>
+            <a:chExt cx="4467240" cy="3563280"/>
           </a:xfrm>
         </p:grpSpPr>
         <p:pic>
@@ -17109,7 +17109,7 @@
           <p:spPr>
             <a:xfrm>
               <a:off x="4571640" y="828000"/>
-              <a:ext cx="4467600" cy="3563640"/>
+              <a:ext cx="4467240" cy="3563280"/>
             </a:xfrm>
             <a:prstGeom prst="rect">
               <a:avLst/>
@@ -17127,8 +17127,8 @@
           </p:nvSpPr>
           <p:spPr>
             <a:xfrm rot="16200000">
-              <a:off x="5962680" y="1159560"/>
-              <a:ext cx="1736640" cy="2770560"/>
+              <a:off x="5962680" y="1159920"/>
+              <a:ext cx="1736280" cy="2770200"/>
             </a:xfrm>
             <a:prstGeom prst="roundRect">
               <a:avLst>
@@ -17195,7 +17195,7 @@
         <p:spPr>
           <a:xfrm>
             <a:off x="5446080" y="1672200"/>
-            <a:ext cx="2770200" cy="1736640"/>
+            <a:ext cx="2769840" cy="1736280"/>
           </a:xfrm>
           <a:prstGeom prst="rect">
             <a:avLst/>
@@ -17247,7 +17247,7 @@
         <p:spPr>
           <a:xfrm>
             <a:off x="586440" y="1246680"/>
-            <a:ext cx="4003560" cy="3599280"/>
+            <a:ext cx="4003200" cy="3598920"/>
           </a:xfrm>
           <a:prstGeom prst="rect">
             <a:avLst/>
@@ -17299,7 +17299,7 @@
         <p:spPr>
           <a:xfrm>
             <a:off x="586440" y="453960"/>
-            <a:ext cx="4763520" cy="854640"/>
+            <a:ext cx="4763160" cy="854280"/>
           </a:xfrm>
           <a:prstGeom prst="rect">
             <a:avLst/>
@@ -17387,8 +17387,8 @@
         </p:nvSpPr>
         <p:spPr>
           <a:xfrm rot="2745600">
-            <a:off x="8349840" y="-668160"/>
-            <a:ext cx="1497600" cy="1497600"/>
+            <a:off x="8349840" y="-667800"/>
+            <a:ext cx="1497240" cy="1497240"/>
           </a:xfrm>
           <a:prstGeom prst="roundRect">
             <a:avLst>
@@ -17426,7 +17426,7 @@
         <p:spPr>
           <a:xfrm rot="2745600">
             <a:off x="7634160" y="-322200"/>
-            <a:ext cx="806400" cy="806760"/>
+            <a:ext cx="806040" cy="806400"/>
           </a:xfrm>
           <a:prstGeom prst="roundRect">
             <a:avLst>
@@ -17465,7 +17465,7 @@
         <p:spPr>
           <a:xfrm>
             <a:off x="586440" y="899640"/>
-            <a:ext cx="7931160" cy="1536480"/>
+            <a:ext cx="7930800" cy="1536120"/>
           </a:xfrm>
           <a:prstGeom prst="rect">
             <a:avLst/>
@@ -17517,7 +17517,7 @@
         <p:spPr>
           <a:xfrm>
             <a:off x="608040" y="2545560"/>
-            <a:ext cx="3711600" cy="2255040"/>
+            <a:ext cx="3711240" cy="2254680"/>
           </a:xfrm>
           <a:prstGeom prst="rect">
             <a:avLst/>
@@ -17569,7 +17569,7 @@
         <p:spPr>
           <a:xfrm>
             <a:off x="4806360" y="2545560"/>
-            <a:ext cx="3711600" cy="2255040"/>
+            <a:ext cx="3711240" cy="2254680"/>
           </a:xfrm>
           <a:prstGeom prst="rect">
             <a:avLst/>
@@ -17621,7 +17621,7 @@
         <p:spPr>
           <a:xfrm>
             <a:off x="583200" y="450720"/>
-            <a:ext cx="7197480" cy="511560"/>
+            <a:ext cx="7197120" cy="511200"/>
           </a:xfrm>
           <a:prstGeom prst="rect">
             <a:avLst/>
@@ -17703,7 +17703,7 @@
         <p:spPr>
           <a:xfrm>
             <a:off x="586440" y="1246680"/>
-            <a:ext cx="4003560" cy="3599280"/>
+            <a:ext cx="4003200" cy="3598920"/>
           </a:xfrm>
           <a:prstGeom prst="rect">
             <a:avLst/>
@@ -17755,7 +17755,7 @@
         <p:spPr>
           <a:xfrm>
             <a:off x="559800" y="446040"/>
-            <a:ext cx="4282920" cy="682920"/>
+            <a:ext cx="4282560" cy="682560"/>
           </a:xfrm>
           <a:prstGeom prst="rect">
             <a:avLst/>
@@ -17807,7 +17807,7 @@
         <p:spPr>
           <a:xfrm>
             <a:off x="5097600" y="360"/>
-            <a:ext cx="4379040" cy="5143320"/>
+            <a:ext cx="4378680" cy="5142960"/>
           </a:xfrm>
           <a:prstGeom prst="roundRect">
             <a:avLst>
@@ -17872,8 +17872,8 @@
         </p:nvSpPr>
         <p:spPr>
           <a:xfrm rot="2744400">
-            <a:off x="-280080" y="-25560"/>
-            <a:ext cx="703800" cy="703440"/>
+            <a:off x="-279720" y="-25560"/>
+            <a:ext cx="703440" cy="703080"/>
           </a:xfrm>
           <a:prstGeom prst="roundRect">
             <a:avLst>
@@ -17910,8 +17910,8 @@
         </p:nvSpPr>
         <p:spPr>
           <a:xfrm rot="2625600">
-            <a:off x="4861080" y="4146480"/>
-            <a:ext cx="467640" cy="467640"/>
+            <a:off x="4861080" y="4146120"/>
+            <a:ext cx="467280" cy="467280"/>
           </a:xfrm>
           <a:prstGeom prst="roundRect">
             <a:avLst>
@@ -17985,8 +17985,8 @@
         </p:nvSpPr>
         <p:spPr>
           <a:xfrm rot="2744400">
-            <a:off x="-349200" y="4539600"/>
-            <a:ext cx="703800" cy="703440"/>
+            <a:off x="-348840" y="4539240"/>
+            <a:ext cx="703440" cy="703080"/>
           </a:xfrm>
           <a:prstGeom prst="roundRect">
             <a:avLst>
@@ -18023,8 +18023,8 @@
         </p:nvSpPr>
         <p:spPr>
           <a:xfrm rot="19228200">
-            <a:off x="5845680" y="-2265840"/>
-            <a:ext cx="4854600" cy="7725600"/>
+            <a:off x="5845680" y="-2265480"/>
+            <a:ext cx="4854240" cy="7725240"/>
           </a:xfrm>
           <a:prstGeom prst="roundRect">
             <a:avLst>
@@ -18062,9 +18062,9 @@
         <p:grpSpPr>
           <a:xfrm>
             <a:off x="4571640" y="828000"/>
-            <a:ext cx="4467600" cy="3563640"/>
+            <a:ext cx="4467240" cy="3563280"/>
             <a:chOff x="4571640" y="828000"/>
-            <a:chExt cx="4467600" cy="3563640"/>
+            <a:chExt cx="4467240" cy="3563280"/>
           </a:xfrm>
         </p:grpSpPr>
         <p:pic>
@@ -18080,7 +18080,7 @@
           <p:spPr>
             <a:xfrm>
               <a:off x="4571640" y="828000"/>
-              <a:ext cx="4467600" cy="3563640"/>
+              <a:ext cx="4467240" cy="3563280"/>
             </a:xfrm>
             <a:prstGeom prst="rect">
               <a:avLst/>
@@ -18098,8 +18098,8 @@
           </p:nvSpPr>
           <p:spPr>
             <a:xfrm rot="16200000">
-              <a:off x="5962680" y="1159560"/>
-              <a:ext cx="1736640" cy="2770560"/>
+              <a:off x="5962680" y="1159920"/>
+              <a:ext cx="1736280" cy="2770200"/>
             </a:xfrm>
             <a:prstGeom prst="roundRect">
               <a:avLst>
@@ -18166,7 +18166,7 @@
         <p:spPr>
           <a:xfrm>
             <a:off x="586440" y="1246680"/>
-            <a:ext cx="4003560" cy="3599280"/>
+            <a:ext cx="4003200" cy="3598920"/>
           </a:xfrm>
           <a:prstGeom prst="rect">
             <a:avLst/>
@@ -18218,7 +18218,7 @@
         <p:spPr>
           <a:xfrm>
             <a:off x="5446080" y="1672200"/>
-            <a:ext cx="2779560" cy="1736640"/>
+            <a:ext cx="2779200" cy="1736280"/>
           </a:xfrm>
           <a:prstGeom prst="rect">
             <a:avLst/>
@@ -18270,7 +18270,7 @@
         <p:spPr>
           <a:xfrm>
             <a:off x="586440" y="453960"/>
-            <a:ext cx="3696120" cy="854640"/>
+            <a:ext cx="3695760" cy="854280"/>
           </a:xfrm>
           <a:prstGeom prst="rect">
             <a:avLst/>
@@ -18359,7 +18359,7 @@
         <p:spPr>
           <a:xfrm>
             <a:off x="4222080" y="1246680"/>
-            <a:ext cx="4114440" cy="3599280"/>
+            <a:ext cx="4114080" cy="3598920"/>
           </a:xfrm>
           <a:prstGeom prst="rect">
             <a:avLst/>
@@ -18410,8 +18410,8 @@
         </p:nvSpPr>
         <p:spPr>
           <a:xfrm rot="16200000">
-            <a:off x="-2181600" y="1734120"/>
-            <a:ext cx="5143320" cy="1683360"/>
+            <a:off x="-2181600" y="1734480"/>
+            <a:ext cx="5142960" cy="1683000"/>
           </a:xfrm>
           <a:prstGeom prst="roundRect">
             <a:avLst>
@@ -18448,8 +18448,8 @@
         </p:nvSpPr>
         <p:spPr>
           <a:xfrm rot="2745000">
-            <a:off x="8575200" y="103320"/>
-            <a:ext cx="1131840" cy="1131480"/>
+            <a:off x="8575200" y="102960"/>
+            <a:ext cx="1131480" cy="1131120"/>
           </a:xfrm>
           <a:prstGeom prst="roundRect">
             <a:avLst>
@@ -18486,8 +18486,8 @@
         </p:nvSpPr>
         <p:spPr>
           <a:xfrm rot="16200000">
-            <a:off x="614880" y="919440"/>
-            <a:ext cx="3231360" cy="3313080"/>
+            <a:off x="614880" y="919800"/>
+            <a:ext cx="3231000" cy="3312720"/>
           </a:xfrm>
           <a:prstGeom prst="roundRect">
             <a:avLst>
@@ -18553,7 +18553,7 @@
         <p:spPr>
           <a:xfrm>
             <a:off x="4214160" y="456120"/>
-            <a:ext cx="4111200" cy="854640"/>
+            <a:ext cx="4110840" cy="854280"/>
           </a:xfrm>
           <a:prstGeom prst="rect">
             <a:avLst/>
@@ -18641,8 +18641,8 @@
         </p:nvSpPr>
         <p:spPr>
           <a:xfrm rot="2744400">
-            <a:off x="-280080" y="-25560"/>
-            <a:ext cx="703800" cy="703440"/>
+            <a:off x="-279720" y="-25560"/>
+            <a:ext cx="703440" cy="703080"/>
           </a:xfrm>
           <a:prstGeom prst="roundRect">
             <a:avLst>
@@ -18680,7 +18680,7 @@
         <p:spPr>
           <a:xfrm rot="2332200">
             <a:off x="6009120" y="-319680"/>
-            <a:ext cx="4854960" cy="7725960"/>
+            <a:ext cx="4854600" cy="7725600"/>
           </a:xfrm>
           <a:prstGeom prst="roundRect">
             <a:avLst>
@@ -18718,9 +18718,9 @@
         <p:grpSpPr>
           <a:xfrm>
             <a:off x="4571640" y="828000"/>
-            <a:ext cx="4467600" cy="3563640"/>
+            <a:ext cx="4467240" cy="3563280"/>
             <a:chOff x="4571640" y="828000"/>
-            <a:chExt cx="4467600" cy="3563640"/>
+            <a:chExt cx="4467240" cy="3563280"/>
           </a:xfrm>
         </p:grpSpPr>
         <p:pic>
@@ -18736,7 +18736,7 @@
           <p:spPr>
             <a:xfrm>
               <a:off x="4571640" y="828000"/>
-              <a:ext cx="4467600" cy="3563640"/>
+              <a:ext cx="4467240" cy="3563280"/>
             </a:xfrm>
             <a:prstGeom prst="rect">
               <a:avLst/>
@@ -18754,8 +18754,8 @@
           </p:nvSpPr>
           <p:spPr>
             <a:xfrm rot="16200000">
-              <a:off x="5962680" y="1159560"/>
-              <a:ext cx="1736640" cy="2770560"/>
+              <a:off x="5962680" y="1159920"/>
+              <a:ext cx="1736280" cy="2770200"/>
             </a:xfrm>
             <a:prstGeom prst="roundRect">
               <a:avLst>
@@ -18822,7 +18822,7 @@
         <p:spPr>
           <a:xfrm>
             <a:off x="5446080" y="1672200"/>
-            <a:ext cx="2770200" cy="1736640"/>
+            <a:ext cx="2769840" cy="1736280"/>
           </a:xfrm>
           <a:prstGeom prst="rect">
             <a:avLst/>
@@ -18874,7 +18874,7 @@
         <p:spPr>
           <a:xfrm>
             <a:off x="586440" y="1246680"/>
-            <a:ext cx="4003560" cy="3599280"/>
+            <a:ext cx="4003200" cy="3598920"/>
           </a:xfrm>
           <a:prstGeom prst="rect">
             <a:avLst/>
@@ -18926,7 +18926,7 @@
         <p:spPr>
           <a:xfrm>
             <a:off x="586440" y="453960"/>
-            <a:ext cx="4763520" cy="854640"/>
+            <a:ext cx="4763160" cy="854280"/>
           </a:xfrm>
           <a:prstGeom prst="rect">
             <a:avLst/>
@@ -19014,8 +19014,8 @@
         </p:nvSpPr>
         <p:spPr>
           <a:xfrm rot="2745600">
-            <a:off x="8349840" y="-668160"/>
-            <a:ext cx="1497600" cy="1497600"/>
+            <a:off x="8349840" y="-667800"/>
+            <a:ext cx="1497240" cy="1497240"/>
           </a:xfrm>
           <a:prstGeom prst="roundRect">
             <a:avLst>
@@ -19053,7 +19053,7 @@
         <p:spPr>
           <a:xfrm rot="2745600">
             <a:off x="7634160" y="-322200"/>
-            <a:ext cx="806400" cy="806760"/>
+            <a:ext cx="806040" cy="806400"/>
           </a:xfrm>
           <a:prstGeom prst="roundRect">
             <a:avLst>
@@ -19092,7 +19092,7 @@
         <p:spPr>
           <a:xfrm>
             <a:off x="586440" y="899640"/>
-            <a:ext cx="7931160" cy="1536480"/>
+            <a:ext cx="7930800" cy="1536120"/>
           </a:xfrm>
           <a:prstGeom prst="rect">
             <a:avLst/>
@@ -19144,7 +19144,7 @@
         <p:spPr>
           <a:xfrm>
             <a:off x="608040" y="2545560"/>
-            <a:ext cx="3711600" cy="2255040"/>
+            <a:ext cx="3711240" cy="2254680"/>
           </a:xfrm>
           <a:prstGeom prst="rect">
             <a:avLst/>
@@ -19196,7 +19196,7 @@
         <p:spPr>
           <a:xfrm>
             <a:off x="4806360" y="2545560"/>
-            <a:ext cx="3711600" cy="2255040"/>
+            <a:ext cx="3711240" cy="2254680"/>
           </a:xfrm>
           <a:prstGeom prst="rect">
             <a:avLst/>
@@ -19248,7 +19248,7 @@
         <p:spPr>
           <a:xfrm>
             <a:off x="583200" y="450720"/>
-            <a:ext cx="7197480" cy="511560"/>
+            <a:ext cx="7197120" cy="511200"/>
           </a:xfrm>
           <a:prstGeom prst="rect">
             <a:avLst/>
@@ -19330,7 +19330,7 @@
         <p:spPr>
           <a:xfrm>
             <a:off x="586440" y="1246680"/>
-            <a:ext cx="4003560" cy="3599280"/>
+            <a:ext cx="4003200" cy="3598920"/>
           </a:xfrm>
           <a:prstGeom prst="rect">
             <a:avLst/>
@@ -19382,7 +19382,7 @@
         <p:spPr>
           <a:xfrm>
             <a:off x="559800" y="446040"/>
-            <a:ext cx="4282920" cy="682920"/>
+            <a:ext cx="4282560" cy="682560"/>
           </a:xfrm>
           <a:prstGeom prst="rect">
             <a:avLst/>
@@ -19434,7 +19434,7 @@
         <p:spPr>
           <a:xfrm>
             <a:off x="5097600" y="360"/>
-            <a:ext cx="4379040" cy="5143320"/>
+            <a:ext cx="4378680" cy="5142960"/>
           </a:xfrm>
           <a:prstGeom prst="roundRect">
             <a:avLst>
@@ -19499,8 +19499,8 @@
         </p:nvSpPr>
         <p:spPr>
           <a:xfrm rot="2744400">
-            <a:off x="-280080" y="-25560"/>
-            <a:ext cx="703800" cy="703440"/>
+            <a:off x="-279720" y="-25560"/>
+            <a:ext cx="703440" cy="703080"/>
           </a:xfrm>
           <a:prstGeom prst="roundRect">
             <a:avLst>
@@ -19537,8 +19537,8 @@
         </p:nvSpPr>
         <p:spPr>
           <a:xfrm rot="2625600">
-            <a:off x="4861080" y="4146480"/>
-            <a:ext cx="467640" cy="467640"/>
+            <a:off x="4861080" y="4146120"/>
+            <a:ext cx="467280" cy="467280"/>
           </a:xfrm>
           <a:prstGeom prst="roundRect">
             <a:avLst>
@@ -19612,8 +19612,8 @@
         </p:nvSpPr>
         <p:spPr>
           <a:xfrm rot="2744400">
-            <a:off x="-349200" y="4539600"/>
-            <a:ext cx="703800" cy="703440"/>
+            <a:off x="-348840" y="4539240"/>
+            <a:ext cx="703440" cy="703080"/>
           </a:xfrm>
           <a:prstGeom prst="roundRect">
             <a:avLst>
@@ -19650,8 +19650,8 @@
         </p:nvSpPr>
         <p:spPr>
           <a:xfrm rot="19228200">
-            <a:off x="5845680" y="-2265840"/>
-            <a:ext cx="4854600" cy="7725600"/>
+            <a:off x="5845680" y="-2265480"/>
+            <a:ext cx="4854240" cy="7725240"/>
           </a:xfrm>
           <a:prstGeom prst="roundRect">
             <a:avLst>
@@ -19689,9 +19689,9 @@
         <p:grpSpPr>
           <a:xfrm>
             <a:off x="4571640" y="828000"/>
-            <a:ext cx="4467600" cy="3563640"/>
+            <a:ext cx="4467240" cy="3563280"/>
             <a:chOff x="4571640" y="828000"/>
-            <a:chExt cx="4467600" cy="3563640"/>
+            <a:chExt cx="4467240" cy="3563280"/>
           </a:xfrm>
         </p:grpSpPr>
         <p:pic>
@@ -19707,7 +19707,7 @@
           <p:spPr>
             <a:xfrm>
               <a:off x="4571640" y="828000"/>
-              <a:ext cx="4467600" cy="3563640"/>
+              <a:ext cx="4467240" cy="3563280"/>
             </a:xfrm>
             <a:prstGeom prst="rect">
               <a:avLst/>
@@ -19725,8 +19725,8 @@
           </p:nvSpPr>
           <p:spPr>
             <a:xfrm rot="16200000">
-              <a:off x="5962680" y="1159560"/>
-              <a:ext cx="1736640" cy="2770560"/>
+              <a:off x="5962680" y="1159920"/>
+              <a:ext cx="1736280" cy="2770200"/>
             </a:xfrm>
             <a:prstGeom prst="roundRect">
               <a:avLst>
@@ -19793,7 +19793,7 @@
         <p:spPr>
           <a:xfrm>
             <a:off x="586440" y="1246680"/>
-            <a:ext cx="4003560" cy="3599280"/>
+            <a:ext cx="4003200" cy="3598920"/>
           </a:xfrm>
           <a:prstGeom prst="rect">
             <a:avLst/>
@@ -19845,7 +19845,7 @@
         <p:spPr>
           <a:xfrm>
             <a:off x="5446080" y="1672200"/>
-            <a:ext cx="2779560" cy="1736640"/>
+            <a:ext cx="2779200" cy="1736280"/>
           </a:xfrm>
           <a:prstGeom prst="rect">
             <a:avLst/>
@@ -19897,7 +19897,7 @@
         <p:spPr>
           <a:xfrm>
             <a:off x="586440" y="453960"/>
-            <a:ext cx="3696120" cy="854640"/>
+            <a:ext cx="3695760" cy="854280"/>
           </a:xfrm>
           <a:prstGeom prst="rect">
             <a:avLst/>
@@ -19986,7 +19986,7 @@
         <p:spPr>
           <a:xfrm>
             <a:off x="4222080" y="1246680"/>
-            <a:ext cx="4114440" cy="3599280"/>
+            <a:ext cx="4114080" cy="3598920"/>
           </a:xfrm>
           <a:prstGeom prst="rect">
             <a:avLst/>
@@ -20037,8 +20037,8 @@
         </p:nvSpPr>
         <p:spPr>
           <a:xfrm rot="16200000">
-            <a:off x="-2181600" y="1734120"/>
-            <a:ext cx="5143320" cy="1683360"/>
+            <a:off x="-2181600" y="1734480"/>
+            <a:ext cx="5142960" cy="1683000"/>
           </a:xfrm>
           <a:prstGeom prst="roundRect">
             <a:avLst>
@@ -20075,8 +20075,8 @@
         </p:nvSpPr>
         <p:spPr>
           <a:xfrm rot="2745000">
-            <a:off x="8575200" y="103320"/>
-            <a:ext cx="1131840" cy="1131480"/>
+            <a:off x="8575200" y="102960"/>
+            <a:ext cx="1131480" cy="1131120"/>
           </a:xfrm>
           <a:prstGeom prst="roundRect">
             <a:avLst>
@@ -20113,8 +20113,8 @@
         </p:nvSpPr>
         <p:spPr>
           <a:xfrm rot="16200000">
-            <a:off x="614880" y="919440"/>
-            <a:ext cx="3231360" cy="3313080"/>
+            <a:off x="614880" y="919800"/>
+            <a:ext cx="3231000" cy="3312720"/>
           </a:xfrm>
           <a:prstGeom prst="roundRect">
             <a:avLst>
@@ -20180,7 +20180,7 @@
         <p:spPr>
           <a:xfrm>
             <a:off x="4214160" y="456120"/>
-            <a:ext cx="4111200" cy="854640"/>
+            <a:ext cx="4110840" cy="854280"/>
           </a:xfrm>
           <a:prstGeom prst="rect">
             <a:avLst/>
@@ -20269,7 +20269,7 @@
         <p:spPr>
           <a:xfrm>
             <a:off x="4222080" y="1246680"/>
-            <a:ext cx="4114440" cy="3599280"/>
+            <a:ext cx="4114080" cy="3598920"/>
           </a:xfrm>
           <a:prstGeom prst="rect">
             <a:avLst/>
@@ -20320,8 +20320,8 @@
         </p:nvSpPr>
         <p:spPr>
           <a:xfrm rot="16200000">
-            <a:off x="-2181600" y="1734120"/>
-            <a:ext cx="5143320" cy="1683360"/>
+            <a:off x="-2181600" y="1734480"/>
+            <a:ext cx="5142960" cy="1683000"/>
           </a:xfrm>
           <a:prstGeom prst="roundRect">
             <a:avLst>
@@ -20358,8 +20358,8 @@
         </p:nvSpPr>
         <p:spPr>
           <a:xfrm rot="2745000">
-            <a:off x="8575200" y="103320"/>
-            <a:ext cx="1131840" cy="1131480"/>
+            <a:off x="8575200" y="102960"/>
+            <a:ext cx="1131480" cy="1131120"/>
           </a:xfrm>
           <a:prstGeom prst="roundRect">
             <a:avLst>
@@ -20396,8 +20396,8 @@
         </p:nvSpPr>
         <p:spPr>
           <a:xfrm rot="16200000">
-            <a:off x="614880" y="919440"/>
-            <a:ext cx="3231360" cy="3313080"/>
+            <a:off x="614880" y="919800"/>
+            <a:ext cx="3231000" cy="3312720"/>
           </a:xfrm>
           <a:prstGeom prst="roundRect">
             <a:avLst>
@@ -20463,7 +20463,7 @@
         <p:spPr>
           <a:xfrm>
             <a:off x="4214160" y="456120"/>
-            <a:ext cx="4111200" cy="854640"/>
+            <a:ext cx="4110840" cy="854280"/>
           </a:xfrm>
           <a:prstGeom prst="rect">
             <a:avLst/>
@@ -20551,8 +20551,8 @@
         </p:nvSpPr>
         <p:spPr>
           <a:xfrm rot="2744400">
-            <a:off x="-280080" y="-25560"/>
-            <a:ext cx="703800" cy="703440"/>
+            <a:off x="-279720" y="-25560"/>
+            <a:ext cx="703440" cy="703080"/>
           </a:xfrm>
           <a:prstGeom prst="roundRect">
             <a:avLst>
@@ -20590,7 +20590,7 @@
         <p:spPr>
           <a:xfrm rot="2332200">
             <a:off x="6009120" y="-319680"/>
-            <a:ext cx="4854960" cy="7725960"/>
+            <a:ext cx="4854600" cy="7725600"/>
           </a:xfrm>
           <a:prstGeom prst="roundRect">
             <a:avLst>
@@ -20628,9 +20628,9 @@
         <p:grpSpPr>
           <a:xfrm>
             <a:off x="4571640" y="828000"/>
-            <a:ext cx="4467600" cy="3563640"/>
+            <a:ext cx="4467240" cy="3563280"/>
             <a:chOff x="4571640" y="828000"/>
-            <a:chExt cx="4467600" cy="3563640"/>
+            <a:chExt cx="4467240" cy="3563280"/>
           </a:xfrm>
         </p:grpSpPr>
         <p:pic>
@@ -20646,7 +20646,7 @@
           <p:spPr>
             <a:xfrm>
               <a:off x="4571640" y="828000"/>
-              <a:ext cx="4467600" cy="3563640"/>
+              <a:ext cx="4467240" cy="3563280"/>
             </a:xfrm>
             <a:prstGeom prst="rect">
               <a:avLst/>
@@ -20664,8 +20664,8 @@
           </p:nvSpPr>
           <p:spPr>
             <a:xfrm rot="16200000">
-              <a:off x="5962680" y="1159560"/>
-              <a:ext cx="1736640" cy="2770560"/>
+              <a:off x="5962680" y="1159920"/>
+              <a:ext cx="1736280" cy="2770200"/>
             </a:xfrm>
             <a:prstGeom prst="roundRect">
               <a:avLst>
@@ -20732,7 +20732,7 @@
         <p:spPr>
           <a:xfrm>
             <a:off x="5446080" y="1672200"/>
-            <a:ext cx="2770200" cy="1736640"/>
+            <a:ext cx="2769840" cy="1736280"/>
           </a:xfrm>
           <a:prstGeom prst="rect">
             <a:avLst/>
@@ -20784,7 +20784,7 @@
         <p:spPr>
           <a:xfrm>
             <a:off x="586440" y="1246680"/>
-            <a:ext cx="4003560" cy="3599280"/>
+            <a:ext cx="4003200" cy="3598920"/>
           </a:xfrm>
           <a:prstGeom prst="rect">
             <a:avLst/>
@@ -20836,7 +20836,7 @@
         <p:spPr>
           <a:xfrm>
             <a:off x="586440" y="453960"/>
-            <a:ext cx="4763520" cy="854640"/>
+            <a:ext cx="4763160" cy="854280"/>
           </a:xfrm>
           <a:prstGeom prst="rect">
             <a:avLst/>
@@ -20924,8 +20924,8 @@
         </p:nvSpPr>
         <p:spPr>
           <a:xfrm rot="2745600">
-            <a:off x="8349840" y="-668160"/>
-            <a:ext cx="1497600" cy="1497600"/>
+            <a:off x="8349840" y="-667800"/>
+            <a:ext cx="1497240" cy="1497240"/>
           </a:xfrm>
           <a:prstGeom prst="roundRect">
             <a:avLst>
@@ -20963,7 +20963,7 @@
         <p:spPr>
           <a:xfrm rot="2745600">
             <a:off x="7634160" y="-322200"/>
-            <a:ext cx="806400" cy="806760"/>
+            <a:ext cx="806040" cy="806400"/>
           </a:xfrm>
           <a:prstGeom prst="roundRect">
             <a:avLst>
@@ -21002,7 +21002,7 @@
         <p:spPr>
           <a:xfrm>
             <a:off x="586440" y="899640"/>
-            <a:ext cx="7931160" cy="1536480"/>
+            <a:ext cx="7930800" cy="1536120"/>
           </a:xfrm>
           <a:prstGeom prst="rect">
             <a:avLst/>
@@ -21054,7 +21054,7 @@
         <p:spPr>
           <a:xfrm>
             <a:off x="608040" y="2545560"/>
-            <a:ext cx="3711600" cy="2255040"/>
+            <a:ext cx="3711240" cy="2254680"/>
           </a:xfrm>
           <a:prstGeom prst="rect">
             <a:avLst/>
@@ -21106,7 +21106,7 @@
         <p:spPr>
           <a:xfrm>
             <a:off x="4806360" y="2545560"/>
-            <a:ext cx="3711600" cy="2255040"/>
+            <a:ext cx="3711240" cy="2254680"/>
           </a:xfrm>
           <a:prstGeom prst="rect">
             <a:avLst/>
@@ -21158,7 +21158,7 @@
         <p:spPr>
           <a:xfrm>
             <a:off x="583200" y="450720"/>
-            <a:ext cx="7197480" cy="511560"/>
+            <a:ext cx="7197120" cy="511200"/>
           </a:xfrm>
           <a:prstGeom prst="rect">
             <a:avLst/>
@@ -21240,7 +21240,7 @@
         <p:spPr>
           <a:xfrm>
             <a:off x="586440" y="1246680"/>
-            <a:ext cx="4003560" cy="3599280"/>
+            <a:ext cx="4003200" cy="3598920"/>
           </a:xfrm>
           <a:prstGeom prst="rect">
             <a:avLst/>
@@ -21292,7 +21292,7 @@
         <p:spPr>
           <a:xfrm>
             <a:off x="559800" y="446040"/>
-            <a:ext cx="4282920" cy="682920"/>
+            <a:ext cx="4282560" cy="682560"/>
           </a:xfrm>
           <a:prstGeom prst="rect">
             <a:avLst/>
@@ -21344,7 +21344,7 @@
         <p:spPr>
           <a:xfrm>
             <a:off x="5097600" y="360"/>
-            <a:ext cx="4379040" cy="5143320"/>
+            <a:ext cx="4378680" cy="5142960"/>
           </a:xfrm>
           <a:prstGeom prst="roundRect">
             <a:avLst>
@@ -21409,8 +21409,8 @@
         </p:nvSpPr>
         <p:spPr>
           <a:xfrm rot="2744400">
-            <a:off x="-280080" y="-25560"/>
-            <a:ext cx="703800" cy="703440"/>
+            <a:off x="-279720" y="-25560"/>
+            <a:ext cx="703440" cy="703080"/>
           </a:xfrm>
           <a:prstGeom prst="roundRect">
             <a:avLst>
@@ -21447,8 +21447,8 @@
         </p:nvSpPr>
         <p:spPr>
           <a:xfrm rot="2625600">
-            <a:off x="4861080" y="4146480"/>
-            <a:ext cx="467640" cy="467640"/>
+            <a:off x="4861080" y="4146120"/>
+            <a:ext cx="467280" cy="467280"/>
           </a:xfrm>
           <a:prstGeom prst="roundRect">
             <a:avLst>
@@ -21522,8 +21522,8 @@
         </p:nvSpPr>
         <p:spPr>
           <a:xfrm rot="2744400">
-            <a:off x="-349200" y="4539600"/>
-            <a:ext cx="703800" cy="703440"/>
+            <a:off x="-348840" y="4539240"/>
+            <a:ext cx="703440" cy="703080"/>
           </a:xfrm>
           <a:prstGeom prst="roundRect">
             <a:avLst>
@@ -21560,8 +21560,8 @@
         </p:nvSpPr>
         <p:spPr>
           <a:xfrm rot="19228200">
-            <a:off x="5845680" y="-2265840"/>
-            <a:ext cx="4854600" cy="7725600"/>
+            <a:off x="5845680" y="-2265480"/>
+            <a:ext cx="4854240" cy="7725240"/>
           </a:xfrm>
           <a:prstGeom prst="roundRect">
             <a:avLst>
@@ -21599,9 +21599,9 @@
         <p:grpSpPr>
           <a:xfrm>
             <a:off x="4571640" y="828000"/>
-            <a:ext cx="4467600" cy="3563640"/>
+            <a:ext cx="4467240" cy="3563280"/>
             <a:chOff x="4571640" y="828000"/>
-            <a:chExt cx="4467600" cy="3563640"/>
+            <a:chExt cx="4467240" cy="3563280"/>
           </a:xfrm>
         </p:grpSpPr>
         <p:pic>
@@ -21617,7 +21617,7 @@
           <p:spPr>
             <a:xfrm>
               <a:off x="4571640" y="828000"/>
-              <a:ext cx="4467600" cy="3563640"/>
+              <a:ext cx="4467240" cy="3563280"/>
             </a:xfrm>
             <a:prstGeom prst="rect">
               <a:avLst/>
@@ -21635,8 +21635,8 @@
           </p:nvSpPr>
           <p:spPr>
             <a:xfrm rot="16200000">
-              <a:off x="5962680" y="1159560"/>
-              <a:ext cx="1736640" cy="2770560"/>
+              <a:off x="5962680" y="1159920"/>
+              <a:ext cx="1736280" cy="2770200"/>
             </a:xfrm>
             <a:prstGeom prst="roundRect">
               <a:avLst>
@@ -21703,7 +21703,7 @@
         <p:spPr>
           <a:xfrm>
             <a:off x="586440" y="1246680"/>
-            <a:ext cx="4003560" cy="3599280"/>
+            <a:ext cx="4003200" cy="3598920"/>
           </a:xfrm>
           <a:prstGeom prst="rect">
             <a:avLst/>
@@ -21755,7 +21755,7 @@
         <p:spPr>
           <a:xfrm>
             <a:off x="5446080" y="1672200"/>
-            <a:ext cx="2779560" cy="1736640"/>
+            <a:ext cx="2779200" cy="1736280"/>
           </a:xfrm>
           <a:prstGeom prst="rect">
             <a:avLst/>
@@ -21807,7 +21807,7 @@
         <p:spPr>
           <a:xfrm>
             <a:off x="586440" y="453960"/>
-            <a:ext cx="3696120" cy="854640"/>
+            <a:ext cx="3695760" cy="854280"/>
           </a:xfrm>
           <a:prstGeom prst="rect">
             <a:avLst/>
@@ -21896,7 +21896,7 @@
         <p:spPr>
           <a:xfrm>
             <a:off x="4222080" y="1246680"/>
-            <a:ext cx="4114440" cy="3599280"/>
+            <a:ext cx="4114080" cy="3598920"/>
           </a:xfrm>
           <a:prstGeom prst="rect">
             <a:avLst/>
@@ -21947,8 +21947,8 @@
         </p:nvSpPr>
         <p:spPr>
           <a:xfrm rot="16200000">
-            <a:off x="-2181600" y="1734120"/>
-            <a:ext cx="5143320" cy="1683360"/>
+            <a:off x="-2181600" y="1734480"/>
+            <a:ext cx="5142960" cy="1683000"/>
           </a:xfrm>
           <a:prstGeom prst="roundRect">
             <a:avLst>
@@ -21985,8 +21985,8 @@
         </p:nvSpPr>
         <p:spPr>
           <a:xfrm rot="2745000">
-            <a:off x="8575200" y="103320"/>
-            <a:ext cx="1131840" cy="1131480"/>
+            <a:off x="8575200" y="102960"/>
+            <a:ext cx="1131480" cy="1131120"/>
           </a:xfrm>
           <a:prstGeom prst="roundRect">
             <a:avLst>
@@ -22023,8 +22023,8 @@
         </p:nvSpPr>
         <p:spPr>
           <a:xfrm rot="16200000">
-            <a:off x="614880" y="919440"/>
-            <a:ext cx="3231360" cy="3313080"/>
+            <a:off x="614880" y="919800"/>
+            <a:ext cx="3231000" cy="3312720"/>
           </a:xfrm>
           <a:prstGeom prst="roundRect">
             <a:avLst>
@@ -22090,7 +22090,7 @@
         <p:spPr>
           <a:xfrm>
             <a:off x="4214160" y="456120"/>
-            <a:ext cx="4111200" cy="854640"/>
+            <a:ext cx="4110840" cy="854280"/>
           </a:xfrm>
           <a:prstGeom prst="rect">
             <a:avLst/>
@@ -22178,8 +22178,8 @@
         </p:nvSpPr>
         <p:spPr>
           <a:xfrm rot="2744400">
-            <a:off x="-280080" y="-25560"/>
-            <a:ext cx="703800" cy="703440"/>
+            <a:off x="-279720" y="-25560"/>
+            <a:ext cx="703440" cy="703080"/>
           </a:xfrm>
           <a:prstGeom prst="roundRect">
             <a:avLst>
@@ -22217,7 +22217,7 @@
         <p:spPr>
           <a:xfrm>
             <a:off x="569160" y="1888920"/>
-            <a:ext cx="4820400" cy="820800"/>
+            <a:ext cx="4820040" cy="820800"/>
           </a:xfrm>
           <a:prstGeom prst="rect">
             <a:avLst/>
@@ -22268,8 +22268,8 @@
         </p:nvSpPr>
         <p:spPr>
           <a:xfrm rot="18679800">
-            <a:off x="6782040" y="457920"/>
-            <a:ext cx="6249960" cy="4665600"/>
+            <a:off x="6781680" y="457920"/>
+            <a:ext cx="6249600" cy="4665240"/>
           </a:xfrm>
           <a:prstGeom prst="roundRect">
             <a:avLst>
@@ -22306,8 +22306,8 @@
         </p:nvSpPr>
         <p:spPr>
           <a:xfrm rot="2625600">
-            <a:off x="6024960" y="4332600"/>
-            <a:ext cx="467640" cy="467640"/>
+            <a:off x="6024960" y="4332240"/>
+            <a:ext cx="467280" cy="467280"/>
           </a:xfrm>
           <a:prstGeom prst="roundRect">
             <a:avLst>
@@ -22345,7 +22345,7 @@
         <p:spPr>
           <a:xfrm>
             <a:off x="1640880" y="4592880"/>
-            <a:ext cx="2994840" cy="265680"/>
+            <a:ext cx="2994480" cy="265320"/>
           </a:xfrm>
           <a:prstGeom prst="rect">
             <a:avLst/>
@@ -22407,7 +22407,7 @@
         <p:spPr>
           <a:xfrm>
             <a:off x="867240" y="3590280"/>
-            <a:ext cx="252720" cy="253080"/>
+            <a:ext cx="252360" cy="252720"/>
           </a:xfrm>
           <a:prstGeom prst="ellipse">
             <a:avLst/>
@@ -22442,7 +22442,7 @@
         <p:spPr>
           <a:xfrm>
             <a:off x="351000" y="3793320"/>
-            <a:ext cx="1285200" cy="1130760"/>
+            <a:ext cx="1284840" cy="1130400"/>
           </a:xfrm>
           <a:prstGeom prst="rect">
             <a:avLst/>
@@ -22497,8 +22497,8 @@
         </p:nvSpPr>
         <p:spPr>
           <a:xfrm rot="2744400">
-            <a:off x="-280080" y="-25560"/>
-            <a:ext cx="703800" cy="703440"/>
+            <a:off x="-279720" y="-25560"/>
+            <a:ext cx="703440" cy="703080"/>
           </a:xfrm>
           <a:prstGeom prst="roundRect">
             <a:avLst>
@@ -22536,7 +22536,7 @@
         <p:spPr>
           <a:xfrm rot="2332200">
             <a:off x="6009120" y="-319680"/>
-            <a:ext cx="4854960" cy="7725960"/>
+            <a:ext cx="4854600" cy="7725600"/>
           </a:xfrm>
           <a:prstGeom prst="roundRect">
             <a:avLst>
@@ -22574,9 +22574,9 @@
         <p:grpSpPr>
           <a:xfrm>
             <a:off x="4571640" y="828000"/>
-            <a:ext cx="4467600" cy="3563640"/>
+            <a:ext cx="4467240" cy="3563280"/>
             <a:chOff x="4571640" y="828000"/>
-            <a:chExt cx="4467600" cy="3563640"/>
+            <a:chExt cx="4467240" cy="3563280"/>
           </a:xfrm>
         </p:grpSpPr>
         <p:pic>
@@ -22592,7 +22592,7 @@
           <p:spPr>
             <a:xfrm>
               <a:off x="4571640" y="828000"/>
-              <a:ext cx="4467600" cy="3563640"/>
+              <a:ext cx="4467240" cy="3563280"/>
             </a:xfrm>
             <a:prstGeom prst="rect">
               <a:avLst/>
@@ -22610,8 +22610,8 @@
           </p:nvSpPr>
           <p:spPr>
             <a:xfrm rot="16200000">
-              <a:off x="5962680" y="1159560"/>
-              <a:ext cx="1736640" cy="2770560"/>
+              <a:off x="5962680" y="1159920"/>
+              <a:ext cx="1736280" cy="2770200"/>
             </a:xfrm>
             <a:prstGeom prst="roundRect">
               <a:avLst>
@@ -22678,7 +22678,7 @@
         <p:spPr>
           <a:xfrm>
             <a:off x="5446080" y="1672200"/>
-            <a:ext cx="2770200" cy="1736640"/>
+            <a:ext cx="2769840" cy="1736280"/>
           </a:xfrm>
           <a:prstGeom prst="rect">
             <a:avLst/>
@@ -22730,7 +22730,7 @@
         <p:spPr>
           <a:xfrm>
             <a:off x="586440" y="1246680"/>
-            <a:ext cx="4003560" cy="3599280"/>
+            <a:ext cx="4003200" cy="3598920"/>
           </a:xfrm>
           <a:prstGeom prst="rect">
             <a:avLst/>
@@ -22782,7 +22782,7 @@
         <p:spPr>
           <a:xfrm>
             <a:off x="586440" y="453960"/>
-            <a:ext cx="4763520" cy="854640"/>
+            <a:ext cx="4763160" cy="854280"/>
           </a:xfrm>
           <a:prstGeom prst="rect">
             <a:avLst/>
@@ -22870,8 +22870,8 @@
         </p:nvSpPr>
         <p:spPr>
           <a:xfrm rot="2745600">
-            <a:off x="8349840" y="-668160"/>
-            <a:ext cx="1497600" cy="1497600"/>
+            <a:off x="8349840" y="-667800"/>
+            <a:ext cx="1497240" cy="1497240"/>
           </a:xfrm>
           <a:prstGeom prst="roundRect">
             <a:avLst>
@@ -22909,7 +22909,7 @@
         <p:spPr>
           <a:xfrm rot="2745600">
             <a:off x="7634160" y="-322200"/>
-            <a:ext cx="806400" cy="806760"/>
+            <a:ext cx="806040" cy="806400"/>
           </a:xfrm>
           <a:prstGeom prst="roundRect">
             <a:avLst>
@@ -22948,7 +22948,7 @@
         <p:spPr>
           <a:xfrm>
             <a:off x="586440" y="899640"/>
-            <a:ext cx="7931160" cy="1536480"/>
+            <a:ext cx="7930800" cy="1536120"/>
           </a:xfrm>
           <a:prstGeom prst="rect">
             <a:avLst/>
@@ -23000,7 +23000,7 @@
         <p:spPr>
           <a:xfrm>
             <a:off x="608040" y="2545560"/>
-            <a:ext cx="3711600" cy="2255040"/>
+            <a:ext cx="3711240" cy="2254680"/>
           </a:xfrm>
           <a:prstGeom prst="rect">
             <a:avLst/>
@@ -23052,7 +23052,7 @@
         <p:spPr>
           <a:xfrm>
             <a:off x="4806360" y="2545560"/>
-            <a:ext cx="3711600" cy="2255040"/>
+            <a:ext cx="3711240" cy="2254680"/>
           </a:xfrm>
           <a:prstGeom prst="rect">
             <a:avLst/>
@@ -23104,7 +23104,7 @@
         <p:spPr>
           <a:xfrm>
             <a:off x="583200" y="450720"/>
-            <a:ext cx="7197480" cy="511560"/>
+            <a:ext cx="7197120" cy="511200"/>
           </a:xfrm>
           <a:prstGeom prst="rect">
             <a:avLst/>
@@ -23186,7 +23186,7 @@
         <p:spPr>
           <a:xfrm>
             <a:off x="586440" y="1246680"/>
-            <a:ext cx="4003560" cy="3599280"/>
+            <a:ext cx="4003200" cy="3598920"/>
           </a:xfrm>
           <a:prstGeom prst="rect">
             <a:avLst/>
@@ -23238,7 +23238,7 @@
         <p:spPr>
           <a:xfrm>
             <a:off x="559800" y="446040"/>
-            <a:ext cx="4282920" cy="682920"/>
+            <a:ext cx="4282560" cy="682560"/>
           </a:xfrm>
           <a:prstGeom prst="rect">
             <a:avLst/>
@@ -23290,7 +23290,7 @@
         <p:spPr>
           <a:xfrm>
             <a:off x="5097600" y="360"/>
-            <a:ext cx="4379040" cy="5143320"/>
+            <a:ext cx="4378680" cy="5142960"/>
           </a:xfrm>
           <a:prstGeom prst="roundRect">
             <a:avLst>
@@ -23355,8 +23355,8 @@
         </p:nvSpPr>
         <p:spPr>
           <a:xfrm rot="2744400">
-            <a:off x="-280080" y="-25560"/>
-            <a:ext cx="703800" cy="703440"/>
+            <a:off x="-279720" y="-25560"/>
+            <a:ext cx="703440" cy="703080"/>
           </a:xfrm>
           <a:prstGeom prst="roundRect">
             <a:avLst>
@@ -23393,8 +23393,8 @@
         </p:nvSpPr>
         <p:spPr>
           <a:xfrm rot="2625600">
-            <a:off x="4861080" y="4146480"/>
-            <a:ext cx="467640" cy="467640"/>
+            <a:off x="4861080" y="4146120"/>
+            <a:ext cx="467280" cy="467280"/>
           </a:xfrm>
           <a:prstGeom prst="roundRect">
             <a:avLst>
@@ -23468,8 +23468,8 @@
         </p:nvSpPr>
         <p:spPr>
           <a:xfrm rot="2744400">
-            <a:off x="-349200" y="4539600"/>
-            <a:ext cx="703800" cy="703440"/>
+            <a:off x="-348840" y="4539240"/>
+            <a:ext cx="703440" cy="703080"/>
           </a:xfrm>
           <a:prstGeom prst="roundRect">
             <a:avLst>
@@ -23506,8 +23506,8 @@
         </p:nvSpPr>
         <p:spPr>
           <a:xfrm rot="19228200">
-            <a:off x="5845680" y="-2265840"/>
-            <a:ext cx="4854600" cy="7725600"/>
+            <a:off x="5845680" y="-2265480"/>
+            <a:ext cx="4854240" cy="7725240"/>
           </a:xfrm>
           <a:prstGeom prst="roundRect">
             <a:avLst>
@@ -23545,9 +23545,9 @@
         <p:grpSpPr>
           <a:xfrm>
             <a:off x="4571640" y="828000"/>
-            <a:ext cx="4467600" cy="3563640"/>
+            <a:ext cx="4467240" cy="3563280"/>
             <a:chOff x="4571640" y="828000"/>
-            <a:chExt cx="4467600" cy="3563640"/>
+            <a:chExt cx="4467240" cy="3563280"/>
           </a:xfrm>
         </p:grpSpPr>
         <p:pic>
@@ -23563,7 +23563,7 @@
           <p:spPr>
             <a:xfrm>
               <a:off x="4571640" y="828000"/>
-              <a:ext cx="4467600" cy="3563640"/>
+              <a:ext cx="4467240" cy="3563280"/>
             </a:xfrm>
             <a:prstGeom prst="rect">
               <a:avLst/>
@@ -23581,8 +23581,8 @@
           </p:nvSpPr>
           <p:spPr>
             <a:xfrm rot="16200000">
-              <a:off x="5962680" y="1159560"/>
-              <a:ext cx="1736640" cy="2770560"/>
+              <a:off x="5962680" y="1159920"/>
+              <a:ext cx="1736280" cy="2770200"/>
             </a:xfrm>
             <a:prstGeom prst="roundRect">
               <a:avLst>
@@ -23649,7 +23649,7 @@
         <p:spPr>
           <a:xfrm>
             <a:off x="586440" y="1246680"/>
-            <a:ext cx="4003560" cy="3599280"/>
+            <a:ext cx="4003200" cy="3598920"/>
           </a:xfrm>
           <a:prstGeom prst="rect">
             <a:avLst/>
@@ -23701,7 +23701,7 @@
         <p:spPr>
           <a:xfrm>
             <a:off x="5446080" y="1672200"/>
-            <a:ext cx="2779560" cy="1736640"/>
+            <a:ext cx="2779200" cy="1736280"/>
           </a:xfrm>
           <a:prstGeom prst="rect">
             <a:avLst/>
@@ -23753,7 +23753,7 @@
         <p:spPr>
           <a:xfrm>
             <a:off x="586440" y="453960"/>
-            <a:ext cx="3696120" cy="854640"/>
+            <a:ext cx="3695760" cy="854280"/>
           </a:xfrm>
           <a:prstGeom prst="rect">
             <a:avLst/>
@@ -23842,7 +23842,7 @@
         <p:spPr>
           <a:xfrm>
             <a:off x="4222080" y="1246680"/>
-            <a:ext cx="4114440" cy="3599280"/>
+            <a:ext cx="4114080" cy="3598920"/>
           </a:xfrm>
           <a:prstGeom prst="rect">
             <a:avLst/>
@@ -23893,8 +23893,8 @@
         </p:nvSpPr>
         <p:spPr>
           <a:xfrm rot="16200000">
-            <a:off x="-2181600" y="1734120"/>
-            <a:ext cx="5143320" cy="1683360"/>
+            <a:off x="-2181600" y="1734480"/>
+            <a:ext cx="5142960" cy="1683000"/>
           </a:xfrm>
           <a:prstGeom prst="roundRect">
             <a:avLst>
@@ -23931,8 +23931,8 @@
         </p:nvSpPr>
         <p:spPr>
           <a:xfrm rot="2745000">
-            <a:off x="8575200" y="103320"/>
-            <a:ext cx="1131840" cy="1131480"/>
+            <a:off x="8575200" y="102960"/>
+            <a:ext cx="1131480" cy="1131120"/>
           </a:xfrm>
           <a:prstGeom prst="roundRect">
             <a:avLst>
@@ -23969,8 +23969,8 @@
         </p:nvSpPr>
         <p:spPr>
           <a:xfrm rot="16200000">
-            <a:off x="614880" y="919440"/>
-            <a:ext cx="3231360" cy="3313080"/>
+            <a:off x="614880" y="919800"/>
+            <a:ext cx="3231000" cy="3312720"/>
           </a:xfrm>
           <a:prstGeom prst="roundRect">
             <a:avLst>
@@ -24036,7 +24036,7 @@
         <p:spPr>
           <a:xfrm>
             <a:off x="4214160" y="456120"/>
-            <a:ext cx="4111200" cy="854640"/>
+            <a:ext cx="4110840" cy="854280"/>
           </a:xfrm>
           <a:prstGeom prst="rect">
             <a:avLst/>
